--- a/16317/f15/lectures/16.317f15_lec5_data_xfer.pptx
+++ b/16317/f15/lectures/16.317f15_lec5_data_xfer.pptx
@@ -5,10 +5,10 @@
     <p:sldMasterId id="2147483792" r:id="rId1"/>
   </p:sldMasterIdLst>
   <p:notesMasterIdLst>
-    <p:notesMasterId r:id="rId21"/>
+    <p:notesMasterId r:id="rId17"/>
   </p:notesMasterIdLst>
   <p:handoutMasterIdLst>
-    <p:handoutMasterId r:id="rId22"/>
+    <p:handoutMasterId r:id="rId18"/>
   </p:handoutMasterIdLst>
   <p:sldIdLst>
     <p:sldId id="256" r:id="rId2"/>
@@ -25,11 +25,7 @@
     <p:sldId id="455" r:id="rId13"/>
     <p:sldId id="456" r:id="rId14"/>
     <p:sldId id="457" r:id="rId15"/>
-    <p:sldId id="458" r:id="rId16"/>
-    <p:sldId id="459" r:id="rId17"/>
-    <p:sldId id="460" r:id="rId18"/>
-    <p:sldId id="461" r:id="rId19"/>
-    <p:sldId id="379" r:id="rId20"/>
+    <p:sldId id="379" r:id="rId16"/>
   </p:sldIdLst>
   <p:sldSz cx="9144000" cy="6858000" type="screen4x3"/>
   <p:notesSz cx="9144000" cy="6858000"/>
@@ -1280,7 +1276,7 @@
             <a:fld id="{D4056121-04F8-BF4E-8AC2-18F650BC8FCA}" type="datetime1">
               <a:rPr lang="en-US"/>
               <a:pPr/>
-              <a:t>9/13/15</a:t>
+              <a:t>9/14/15</a:t>
             </a:fld>
             <a:endParaRPr lang="en-US"/>
           </a:p>
@@ -1844,7 +1840,7 @@
             <a:fld id="{0497D933-93CD-4643-B01C-0C8158723276}" type="datetime1">
               <a:rPr lang="en-US"/>
               <a:pPr/>
-              <a:t>9/13/15</a:t>
+              <a:t>9/14/15</a:t>
             </a:fld>
             <a:endParaRPr lang="en-US"/>
           </a:p>
@@ -2408,7 +2404,7 @@
             <a:fld id="{ADD20E48-21D5-BD43-8B8D-F79BDA59AAEF}" type="datetime1">
               <a:rPr lang="en-US"/>
               <a:pPr/>
-              <a:t>9/13/15</a:t>
+              <a:t>9/14/15</a:t>
             </a:fld>
             <a:endParaRPr lang="en-US"/>
           </a:p>
@@ -3025,7 +3021,7 @@
             <a:fld id="{EB82A0D3-13C8-634E-BD95-1D9CFB393177}" type="datetime1">
               <a:rPr lang="en-US"/>
               <a:pPr/>
-              <a:t>9/13/15</a:t>
+              <a:t>9/14/15</a:t>
             </a:fld>
             <a:endParaRPr lang="en-US"/>
           </a:p>
@@ -3222,7 +3218,7 @@
             <a:fld id="{3D3D8A3D-B6F5-2D45-BBC4-8369847A283B}" type="datetime1">
               <a:rPr lang="en-US"/>
               <a:pPr/>
-              <a:t>9/13/15</a:t>
+              <a:t>9/14/15</a:t>
             </a:fld>
             <a:endParaRPr lang="en-US"/>
           </a:p>
@@ -3428,7 +3424,7 @@
             <a:fld id="{733A2E38-192D-FB4F-96AF-9F56081D55A3}" type="datetime1">
               <a:rPr lang="en-US"/>
               <a:pPr/>
-              <a:t>9/13/15</a:t>
+              <a:t>9/14/15</a:t>
             </a:fld>
             <a:endParaRPr lang="en-US"/>
           </a:p>
@@ -3691,7 +3687,7 @@
             <a:fld id="{D6D8DC0E-F6BF-A44E-BF7E-AC044278C0F4}" type="datetime1">
               <a:rPr lang="en-US"/>
               <a:pPr/>
-              <a:t>9/13/15</a:t>
+              <a:t>9/14/15</a:t>
             </a:fld>
             <a:endParaRPr lang="en-US"/>
           </a:p>
@@ -3954,7 +3950,7 @@
             <a:fld id="{71BA0D76-4F51-2D40-8519-85D2E0F0B190}" type="datetime1">
               <a:rPr lang="en-US"/>
               <a:pPr/>
-              <a:t>9/13/15</a:t>
+              <a:t>9/14/15</a:t>
             </a:fld>
             <a:endParaRPr lang="en-US"/>
           </a:p>
@@ -4150,7 +4146,7 @@
             <a:fld id="{D449A2BF-6E72-6A48-B240-A998196C7AF8}" type="datetime1">
               <a:rPr lang="en-US"/>
               <a:pPr/>
-              <a:t>9/13/15</a:t>
+              <a:t>9/14/15</a:t>
             </a:fld>
             <a:endParaRPr lang="en-US"/>
           </a:p>
@@ -4368,7 +4364,7 @@
             <a:fld id="{9B953C9C-5CA9-3B48-8CAE-F3DBCC5C914F}" type="datetime1">
               <a:rPr lang="en-US"/>
               <a:pPr/>
-              <a:t>9/13/15</a:t>
+              <a:t>9/14/15</a:t>
             </a:fld>
             <a:endParaRPr lang="en-US"/>
           </a:p>
@@ -4682,7 +4678,7 @@
             <a:fld id="{65618229-99C2-A542-BD39-DAC1D7ECB8B8}" type="datetime1">
               <a:rPr lang="en-US"/>
               <a:pPr/>
-              <a:t>9/13/15</a:t>
+              <a:t>9/14/15</a:t>
             </a:fld>
             <a:endParaRPr lang="en-US"/>
           </a:p>
@@ -5135,7 +5131,7 @@
             <a:fld id="{FB7A9F6D-23F1-8C43-A548-318D0B8F99DC}" type="datetime1">
               <a:rPr lang="en-US"/>
               <a:pPr/>
-              <a:t>9/13/15</a:t>
+              <a:t>9/14/15</a:t>
             </a:fld>
             <a:endParaRPr lang="en-US"/>
           </a:p>
@@ -5279,7 +5275,7 @@
             <a:fld id="{8A16DFEC-C4D7-894D-9104-5E0548057E1C}" type="datetime1">
               <a:rPr lang="en-US"/>
               <a:pPr/>
-              <a:t>9/13/15</a:t>
+              <a:t>9/14/15</a:t>
             </a:fld>
             <a:endParaRPr lang="en-US"/>
           </a:p>
@@ -5400,7 +5396,7 @@
             <a:fld id="{B86A42DB-00DC-EB41-8A70-1FC9718E4D13}" type="datetime1">
               <a:rPr lang="en-US"/>
               <a:pPr/>
-              <a:t>9/13/15</a:t>
+              <a:t>9/14/15</a:t>
             </a:fld>
             <a:endParaRPr lang="en-US"/>
           </a:p>
@@ -5703,7 +5699,7 @@
             <a:fld id="{48D8BB0F-2F49-8D45-8136-121E1839066D}" type="datetime1">
               <a:rPr lang="en-US"/>
               <a:pPr/>
-              <a:t>9/13/15</a:t>
+              <a:t>9/14/15</a:t>
             </a:fld>
             <a:endParaRPr lang="en-US"/>
           </a:p>
@@ -5983,7 +5979,7 @@
             <a:fld id="{4D66051E-FE04-9040-AA3F-B175AD001C35}" type="datetime1">
               <a:rPr lang="en-US"/>
               <a:pPr/>
-              <a:t>9/13/15</a:t>
+              <a:t>9/14/15</a:t>
             </a:fld>
             <a:endParaRPr lang="en-US"/>
           </a:p>
@@ -6282,7 +6278,7 @@
             <a:fld id="{38F41A52-A2AA-BB44-B810-62BC5136F899}" type="datetime1">
               <a:rPr lang="en-US"/>
               <a:pPr/>
-              <a:t>9/13/15</a:t>
+              <a:t>9/14/15</a:t>
             </a:fld>
             <a:endParaRPr lang="en-US"/>
           </a:p>
@@ -7426,7 +7422,7 @@
                 <a:latin typeface="Garamond" charset="0"/>
               </a:rPr>
               <a:pPr eaLnBrk="1" hangingPunct="1"/>
-              <a:t>9/13/15</a:t>
+              <a:t>9/14/15</a:t>
             </a:fld>
             <a:endParaRPr lang="en-US">
               <a:latin typeface="Garamond" charset="0"/>
@@ -8105,7 +8101,7 @@
                 <a:latin typeface="Garamond" charset="0"/>
               </a:rPr>
               <a:pPr eaLnBrk="1" hangingPunct="1"/>
-              <a:t>9/13/15</a:t>
+              <a:t>9/14/15</a:t>
             </a:fld>
             <a:endParaRPr lang="en-US">
               <a:latin typeface="Garamond" charset="0"/>
@@ -8709,7 +8705,7 @@
                 <a:latin typeface="Garamond" charset="0"/>
               </a:rPr>
               <a:pPr eaLnBrk="1" hangingPunct="1"/>
-              <a:t>9/13/15</a:t>
+              <a:t>9/14/15</a:t>
             </a:fld>
             <a:endParaRPr lang="en-US">
               <a:latin typeface="Garamond" charset="0"/>
@@ -9203,7 +9199,7 @@
                 <a:latin typeface="Garamond" charset="0"/>
               </a:rPr>
               <a:pPr eaLnBrk="1" hangingPunct="1"/>
-              <a:t>9/13/15</a:t>
+              <a:t>9/14/15</a:t>
             </a:fld>
             <a:endParaRPr lang="en-US">
               <a:latin typeface="Garamond" charset="0"/>
@@ -9867,7 +9863,7 @@
                 <a:latin typeface="Garamond" charset="0"/>
               </a:rPr>
               <a:pPr eaLnBrk="1" hangingPunct="1"/>
-              <a:t>9/13/15</a:t>
+              <a:t>9/14/15</a:t>
             </a:fld>
             <a:endParaRPr lang="en-US">
               <a:latin typeface="Garamond" charset="0"/>
@@ -10083,7 +10079,7 @@
       </p:grpSpPr>
       <p:sp>
         <p:nvSpPr>
-          <p:cNvPr id="9218" name="Title 1"/>
+          <p:cNvPr id="19458" name="Title 1"/>
           <p:cNvSpPr>
             <a:spLocks noGrp="1"/>
           </p:cNvSpPr>
@@ -10100,14 +10096,14 @@
               <a:rPr lang="en-US">
                 <a:latin typeface="Garamond" charset="0"/>
               </a:rPr>
-              <a:t>XCHG</a:t>
-            </a:r>
-          </a:p>
-        </p:txBody>
-      </p:sp>
-      <p:sp>
-        <p:nvSpPr>
-          <p:cNvPr id="3" name="Content Placeholder 2"/>
+              <a:t>Final notes</a:t>
+            </a:r>
+          </a:p>
+        </p:txBody>
+      </p:sp>
+      <p:sp>
+        <p:nvSpPr>
+          <p:cNvPr id="19459" name="Content Placeholder 2"/>
           <p:cNvSpPr>
             <a:spLocks noGrp="1"/>
           </p:cNvSpPr>
@@ -10120,81 +10116,68 @@
           <a:bodyPr/>
           <a:lstStyle/>
           <a:p>
-            <a:pPr>
-              <a:buFont typeface="Wingdings" pitchFamily="2" charset="2"/>
-              <a:buChar char="n"/>
-              <a:defRPr/>
-            </a:pPr>
+            <a:r>
+              <a:rPr lang="en-US" dirty="0">
+                <a:latin typeface="Arial" charset="0"/>
+              </a:rPr>
+              <a:t>Next time:</a:t>
+            </a:r>
+          </a:p>
+          <a:p>
+            <a:pPr lvl="1"/>
+            <a:r>
+              <a:rPr lang="en-US" dirty="0">
+                <a:latin typeface="Arial" charset="0"/>
+              </a:rPr>
+              <a:t>Finish data transfer instructions</a:t>
+            </a:r>
+          </a:p>
+          <a:p>
+            <a:pPr lvl="1"/>
+            <a:r>
+              <a:rPr lang="en-US" dirty="0">
+                <a:latin typeface="Arial" charset="0"/>
+              </a:rPr>
+              <a:t>Arithmetic instructions</a:t>
+            </a:r>
+          </a:p>
+          <a:p>
+            <a:r>
+              <a:rPr lang="en-US" dirty="0">
+                <a:latin typeface="Arial" charset="0"/>
+              </a:rPr>
+              <a:t>Reminders:</a:t>
+            </a:r>
+          </a:p>
+          <a:p>
+            <a:pPr lvl="1"/>
             <a:r>
               <a:rPr lang="en-US" dirty="0" smtClean="0">
-                <a:ea typeface="+mn-ea"/>
-              </a:rPr>
-              <a:t>Swap contents of source and destination</a:t>
-            </a:r>
-          </a:p>
-          <a:p>
-            <a:pPr>
-              <a:buFont typeface="Wingdings" pitchFamily="2" charset="2"/>
-              <a:buChar char="n"/>
-              <a:defRPr/>
-            </a:pPr>
+                <a:latin typeface="Arial" charset="0"/>
+              </a:rPr>
+              <a:t>HW </a:t>
+            </a:r>
+            <a:r>
+              <a:rPr lang="en-US" dirty="0">
+                <a:latin typeface="Arial" charset="0"/>
+              </a:rPr>
+              <a:t>1 </a:t>
+            </a:r>
             <a:r>
               <a:rPr lang="en-US" dirty="0" smtClean="0">
-                <a:ea typeface="+mn-ea"/>
-              </a:rPr>
-              <a:t>Format: XCHG D, S</a:t>
-            </a:r>
-          </a:p>
-          <a:p>
-            <a:pPr>
-              <a:buFont typeface="Wingdings" pitchFamily="2" charset="2"/>
-              <a:buChar char="n"/>
-              <a:defRPr/>
-            </a:pPr>
-            <a:r>
-              <a:rPr lang="en-US" dirty="0" smtClean="0">
-                <a:ea typeface="+mn-ea"/>
-              </a:rPr>
-              <a:t>Operation: 	(D) = (S)</a:t>
-            </a:r>
-          </a:p>
-          <a:p>
-            <a:pPr marL="0" indent="0">
-              <a:buFont typeface="Wingdings" pitchFamily="2" charset="2"/>
-              <a:buNone/>
-              <a:defRPr/>
-            </a:pPr>
-            <a:r>
-              <a:rPr lang="en-US" dirty="0" smtClean="0">
-                <a:ea typeface="+mn-ea"/>
-              </a:rPr>
-              <a:t>			(S) = (D)</a:t>
-            </a:r>
-          </a:p>
-          <a:p>
-            <a:pPr>
-              <a:buFont typeface="Wingdings" pitchFamily="2" charset="2"/>
-              <a:buChar char="n"/>
-              <a:defRPr/>
-            </a:pPr>
-            <a:r>
-              <a:rPr lang="en-US" dirty="0" smtClean="0">
-                <a:ea typeface="+mn-ea"/>
-              </a:rPr>
-              <a:t>Restrictions:</a:t>
-            </a:r>
-          </a:p>
-          <a:p>
-            <a:pPr lvl="1">
-              <a:buFont typeface="Wingdings" pitchFamily="2" charset="2"/>
-              <a:buChar char="q"/>
-              <a:defRPr/>
-            </a:pPr>
-            <a:r>
-              <a:rPr lang="en-US" dirty="0" smtClean="0"/>
-              <a:t>Memory operand can only be used as destination</a:t>
-            </a:r>
-            <a:endParaRPr lang="en-US" dirty="0"/>
+                <a:latin typeface="Arial" charset="0"/>
+              </a:rPr>
+              <a:t>due 2:00 PM, 9/18</a:t>
+            </a:r>
+            <a:endParaRPr lang="en-US" dirty="0">
+              <a:latin typeface="Arial" charset="0"/>
+            </a:endParaRPr>
+          </a:p>
+          <a:p>
+            <a:pPr lvl="1"/>
+            <a:endParaRPr lang="en-US" dirty="0">
+              <a:latin typeface="Arial" charset="0"/>
+            </a:endParaRPr>
           </a:p>
         </p:txBody>
       </p:sp>
@@ -10329,12 +10312,12 @@
           </a:lstStyle>
           <a:p>
             <a:pPr eaLnBrk="1" hangingPunct="1"/>
-            <a:fld id="{4E4E373C-9425-524A-A575-7352662A52E3}" type="datetime1">
+            <a:fld id="{FC7C85E8-0885-5B47-BA49-51A242E24168}" type="datetime1">
               <a:rPr lang="en-US">
                 <a:latin typeface="Garamond" charset="0"/>
               </a:rPr>
               <a:pPr eaLnBrk="1" hangingPunct="1"/>
-              <a:t>9/13/15</a:t>
+              <a:t>9/14/15</a:t>
             </a:fld>
             <a:endParaRPr lang="en-US">
               <a:latin typeface="Garamond" charset="0"/>
@@ -10362,2796 +10345,6 @@
             </a:pPr>
             <a:r>
               <a:rPr lang="en-US" altLang="en-US"/>
-              <a:t>Microprocessors I:  Lecture 5</a:t>
-            </a:r>
-          </a:p>
-        </p:txBody>
-      </p:sp>
-      <p:sp>
-        <p:nvSpPr>
-          <p:cNvPr id="6" name="Slide Number Placeholder 5"/>
-          <p:cNvSpPr>
-            <a:spLocks noGrp="1"/>
-          </p:cNvSpPr>
-          <p:nvPr>
-            <p:ph type="sldNum" sz="quarter" idx="12"/>
-          </p:nvPr>
-        </p:nvSpPr>
-        <p:spPr/>
-        <p:txBody>
-          <a:bodyPr/>
-          <a:lstStyle>
-            <a:lvl1pPr eaLnBrk="0" hangingPunct="0">
-              <a:defRPr>
-                <a:solidFill>
-                  <a:schemeClr val="tx1"/>
-                </a:solidFill>
-                <a:latin typeface="Arial" charset="0"/>
-                <a:ea typeface="ＭＳ Ｐゴシック" charset="0"/>
-                <a:cs typeface="Arial" charset="0"/>
-              </a:defRPr>
-            </a:lvl1pPr>
-            <a:lvl2pPr marL="742950" indent="-285750" eaLnBrk="0" hangingPunct="0">
-              <a:defRPr>
-                <a:solidFill>
-                  <a:schemeClr val="tx1"/>
-                </a:solidFill>
-                <a:latin typeface="Arial" charset="0"/>
-                <a:ea typeface="Arial" charset="0"/>
-                <a:cs typeface="Arial" charset="0"/>
-              </a:defRPr>
-            </a:lvl2pPr>
-            <a:lvl3pPr marL="1143000" indent="-228600" eaLnBrk="0" hangingPunct="0">
-              <a:defRPr>
-                <a:solidFill>
-                  <a:schemeClr val="tx1"/>
-                </a:solidFill>
-                <a:latin typeface="Arial" charset="0"/>
-                <a:ea typeface="Arial" charset="0"/>
-                <a:cs typeface="Arial" charset="0"/>
-              </a:defRPr>
-            </a:lvl3pPr>
-            <a:lvl4pPr marL="1600200" indent="-228600" eaLnBrk="0" hangingPunct="0">
-              <a:defRPr>
-                <a:solidFill>
-                  <a:schemeClr val="tx1"/>
-                </a:solidFill>
-                <a:latin typeface="Arial" charset="0"/>
-                <a:ea typeface="Arial" charset="0"/>
-                <a:cs typeface="Arial" charset="0"/>
-              </a:defRPr>
-            </a:lvl4pPr>
-            <a:lvl5pPr marL="2057400" indent="-228600" eaLnBrk="0" hangingPunct="0">
-              <a:defRPr>
-                <a:solidFill>
-                  <a:schemeClr val="tx1"/>
-                </a:solidFill>
-                <a:latin typeface="Arial" charset="0"/>
-                <a:ea typeface="Arial" charset="0"/>
-                <a:cs typeface="Arial" charset="0"/>
-              </a:defRPr>
-            </a:lvl5pPr>
-            <a:lvl6pPr marL="2514600" indent="-228600" eaLnBrk="0" fontAlgn="base" hangingPunct="0">
-              <a:spcBef>
-                <a:spcPct val="0"/>
-              </a:spcBef>
-              <a:spcAft>
-                <a:spcPct val="0"/>
-              </a:spcAft>
-              <a:defRPr>
-                <a:solidFill>
-                  <a:schemeClr val="tx1"/>
-                </a:solidFill>
-                <a:latin typeface="Arial" charset="0"/>
-                <a:ea typeface="Arial" charset="0"/>
-                <a:cs typeface="Arial" charset="0"/>
-              </a:defRPr>
-            </a:lvl6pPr>
-            <a:lvl7pPr marL="2971800" indent="-228600" eaLnBrk="0" fontAlgn="base" hangingPunct="0">
-              <a:spcBef>
-                <a:spcPct val="0"/>
-              </a:spcBef>
-              <a:spcAft>
-                <a:spcPct val="0"/>
-              </a:spcAft>
-              <a:defRPr>
-                <a:solidFill>
-                  <a:schemeClr val="tx1"/>
-                </a:solidFill>
-                <a:latin typeface="Arial" charset="0"/>
-                <a:ea typeface="Arial" charset="0"/>
-                <a:cs typeface="Arial" charset="0"/>
-              </a:defRPr>
-            </a:lvl7pPr>
-            <a:lvl8pPr marL="3429000" indent="-228600" eaLnBrk="0" fontAlgn="base" hangingPunct="0">
-              <a:spcBef>
-                <a:spcPct val="0"/>
-              </a:spcBef>
-              <a:spcAft>
-                <a:spcPct val="0"/>
-              </a:spcAft>
-              <a:defRPr>
-                <a:solidFill>
-                  <a:schemeClr val="tx1"/>
-                </a:solidFill>
-                <a:latin typeface="Arial" charset="0"/>
-                <a:ea typeface="Arial" charset="0"/>
-                <a:cs typeface="Arial" charset="0"/>
-              </a:defRPr>
-            </a:lvl8pPr>
-            <a:lvl9pPr marL="3886200" indent="-228600" eaLnBrk="0" fontAlgn="base" hangingPunct="0">
-              <a:spcBef>
-                <a:spcPct val="0"/>
-              </a:spcBef>
-              <a:spcAft>
-                <a:spcPct val="0"/>
-              </a:spcAft>
-              <a:defRPr>
-                <a:solidFill>
-                  <a:schemeClr val="tx1"/>
-                </a:solidFill>
-                <a:latin typeface="Arial" charset="0"/>
-                <a:ea typeface="Arial" charset="0"/>
-                <a:cs typeface="Arial" charset="0"/>
-              </a:defRPr>
-            </a:lvl9pPr>
-          </a:lstStyle>
-          <a:p>
-            <a:pPr eaLnBrk="1" hangingPunct="1"/>
-            <a:fld id="{CF6DE923-0A13-704B-8C7D-AE7CB0CBC894}" type="slidenum">
-              <a:rPr lang="en-US">
-                <a:latin typeface="Garamond" charset="0"/>
-              </a:rPr>
-              <a:pPr eaLnBrk="1" hangingPunct="1"/>
-              <a:t>15</a:t>
-            </a:fld>
-            <a:endParaRPr lang="en-US">
-              <a:latin typeface="Garamond" charset="0"/>
-            </a:endParaRPr>
-          </a:p>
-        </p:txBody>
-      </p:sp>
-    </p:spTree>
-    <p:extLst>
-      <p:ext uri="{BB962C8B-B14F-4D97-AF65-F5344CB8AC3E}">
-        <p14:creationId xmlns:p14="http://schemas.microsoft.com/office/powerpoint/2010/main" val="2241925928"/>
-      </p:ext>
-    </p:extLst>
-  </p:cSld>
-  <p:clrMapOvr>
-    <a:masterClrMapping/>
-  </p:clrMapOvr>
-  <p:timing>
-    <p:tnLst>
-      <p:par>
-        <p:cTn xmlns:p14="http://schemas.microsoft.com/office/powerpoint/2010/main" id="1" dur="indefinite" restart="never" nodeType="tmRoot"/>
-      </p:par>
-    </p:tnLst>
-  </p:timing>
-</p:sld>
-</file>
-
-<file path=ppt/slides/slide16.xml><?xml version="1.0" encoding="utf-8"?>
-<p:sld xmlns:a="http://schemas.openxmlformats.org/drawingml/2006/main" xmlns:r="http://schemas.openxmlformats.org/officeDocument/2006/relationships" xmlns:p="http://schemas.openxmlformats.org/presentationml/2006/main">
-  <p:cSld>
-    <p:spTree>
-      <p:nvGrpSpPr>
-        <p:cNvPr id="1" name=""/>
-        <p:cNvGrpSpPr/>
-        <p:nvPr/>
-      </p:nvGrpSpPr>
-      <p:grpSpPr>
-        <a:xfrm>
-          <a:off x="0" y="0"/>
-          <a:ext cx="0" cy="0"/>
-          <a:chOff x="0" y="0"/>
-          <a:chExt cx="0" cy="0"/>
-        </a:xfrm>
-      </p:grpSpPr>
-      <p:sp>
-        <p:nvSpPr>
-          <p:cNvPr id="10242" name="Title 1"/>
-          <p:cNvSpPr>
-            <a:spLocks noGrp="1"/>
-          </p:cNvSpPr>
-          <p:nvPr>
-            <p:ph type="title"/>
-          </p:nvPr>
-        </p:nvSpPr>
-        <p:spPr/>
-        <p:txBody>
-          <a:bodyPr/>
-          <a:lstStyle/>
-          <a:p>
-            <a:r>
-              <a:rPr lang="en-US">
-                <a:latin typeface="Garamond" charset="0"/>
-              </a:rPr>
-              <a:t>LEA</a:t>
-            </a:r>
-          </a:p>
-        </p:txBody>
-      </p:sp>
-      <p:sp>
-        <p:nvSpPr>
-          <p:cNvPr id="10243" name="Content Placeholder 2"/>
-          <p:cNvSpPr>
-            <a:spLocks noGrp="1"/>
-          </p:cNvSpPr>
-          <p:nvPr>
-            <p:ph idx="1"/>
-          </p:nvPr>
-        </p:nvSpPr>
-        <p:spPr/>
-        <p:txBody>
-          <a:bodyPr/>
-          <a:lstStyle/>
-          <a:p>
-            <a:r>
-              <a:rPr lang="en-US">
-                <a:latin typeface="Arial" charset="0"/>
-              </a:rPr>
-              <a:t>Perform effective address computation and store result in register</a:t>
-            </a:r>
-          </a:p>
-          <a:p>
-            <a:r>
-              <a:rPr lang="en-US">
-                <a:latin typeface="Arial" charset="0"/>
-              </a:rPr>
-              <a:t>Format: LEA D, EA</a:t>
-            </a:r>
-          </a:p>
-          <a:p>
-            <a:r>
-              <a:rPr lang="en-US">
-                <a:latin typeface="Arial" charset="0"/>
-              </a:rPr>
-              <a:t>Operation: D = EA</a:t>
-            </a:r>
-          </a:p>
-          <a:p>
-            <a:endParaRPr lang="en-US">
-              <a:latin typeface="Arial" charset="0"/>
-            </a:endParaRPr>
-          </a:p>
-          <a:p>
-            <a:r>
-              <a:rPr lang="en-US">
-                <a:latin typeface="Arial" charset="0"/>
-              </a:rPr>
-              <a:t>Example: LEA SI, [10H + DI]</a:t>
-            </a:r>
-          </a:p>
-        </p:txBody>
-      </p:sp>
-      <p:sp>
-        <p:nvSpPr>
-          <p:cNvPr id="4" name="Date Placeholder 3"/>
-          <p:cNvSpPr>
-            <a:spLocks noGrp="1"/>
-          </p:cNvSpPr>
-          <p:nvPr>
-            <p:ph type="dt" sz="quarter" idx="10"/>
-          </p:nvPr>
-        </p:nvSpPr>
-        <p:spPr/>
-        <p:txBody>
-          <a:bodyPr/>
-          <a:lstStyle>
-            <a:lvl1pPr eaLnBrk="0" hangingPunct="0">
-              <a:defRPr>
-                <a:solidFill>
-                  <a:schemeClr val="tx1"/>
-                </a:solidFill>
-                <a:latin typeface="Arial" charset="0"/>
-                <a:ea typeface="ＭＳ Ｐゴシック" charset="0"/>
-                <a:cs typeface="Arial" charset="0"/>
-              </a:defRPr>
-            </a:lvl1pPr>
-            <a:lvl2pPr marL="742950" indent="-285750" eaLnBrk="0" hangingPunct="0">
-              <a:defRPr>
-                <a:solidFill>
-                  <a:schemeClr val="tx1"/>
-                </a:solidFill>
-                <a:latin typeface="Arial" charset="0"/>
-                <a:ea typeface="Arial" charset="0"/>
-                <a:cs typeface="Arial" charset="0"/>
-              </a:defRPr>
-            </a:lvl2pPr>
-            <a:lvl3pPr marL="1143000" indent="-228600" eaLnBrk="0" hangingPunct="0">
-              <a:defRPr>
-                <a:solidFill>
-                  <a:schemeClr val="tx1"/>
-                </a:solidFill>
-                <a:latin typeface="Arial" charset="0"/>
-                <a:ea typeface="Arial" charset="0"/>
-                <a:cs typeface="Arial" charset="0"/>
-              </a:defRPr>
-            </a:lvl3pPr>
-            <a:lvl4pPr marL="1600200" indent="-228600" eaLnBrk="0" hangingPunct="0">
-              <a:defRPr>
-                <a:solidFill>
-                  <a:schemeClr val="tx1"/>
-                </a:solidFill>
-                <a:latin typeface="Arial" charset="0"/>
-                <a:ea typeface="Arial" charset="0"/>
-                <a:cs typeface="Arial" charset="0"/>
-              </a:defRPr>
-            </a:lvl4pPr>
-            <a:lvl5pPr marL="2057400" indent="-228600" eaLnBrk="0" hangingPunct="0">
-              <a:defRPr>
-                <a:solidFill>
-                  <a:schemeClr val="tx1"/>
-                </a:solidFill>
-                <a:latin typeface="Arial" charset="0"/>
-                <a:ea typeface="Arial" charset="0"/>
-                <a:cs typeface="Arial" charset="0"/>
-              </a:defRPr>
-            </a:lvl5pPr>
-            <a:lvl6pPr marL="2514600" indent="-228600" eaLnBrk="0" fontAlgn="base" hangingPunct="0">
-              <a:spcBef>
-                <a:spcPct val="0"/>
-              </a:spcBef>
-              <a:spcAft>
-                <a:spcPct val="0"/>
-              </a:spcAft>
-              <a:defRPr>
-                <a:solidFill>
-                  <a:schemeClr val="tx1"/>
-                </a:solidFill>
-                <a:latin typeface="Arial" charset="0"/>
-                <a:ea typeface="Arial" charset="0"/>
-                <a:cs typeface="Arial" charset="0"/>
-              </a:defRPr>
-            </a:lvl6pPr>
-            <a:lvl7pPr marL="2971800" indent="-228600" eaLnBrk="0" fontAlgn="base" hangingPunct="0">
-              <a:spcBef>
-                <a:spcPct val="0"/>
-              </a:spcBef>
-              <a:spcAft>
-                <a:spcPct val="0"/>
-              </a:spcAft>
-              <a:defRPr>
-                <a:solidFill>
-                  <a:schemeClr val="tx1"/>
-                </a:solidFill>
-                <a:latin typeface="Arial" charset="0"/>
-                <a:ea typeface="Arial" charset="0"/>
-                <a:cs typeface="Arial" charset="0"/>
-              </a:defRPr>
-            </a:lvl7pPr>
-            <a:lvl8pPr marL="3429000" indent="-228600" eaLnBrk="0" fontAlgn="base" hangingPunct="0">
-              <a:spcBef>
-                <a:spcPct val="0"/>
-              </a:spcBef>
-              <a:spcAft>
-                <a:spcPct val="0"/>
-              </a:spcAft>
-              <a:defRPr>
-                <a:solidFill>
-                  <a:schemeClr val="tx1"/>
-                </a:solidFill>
-                <a:latin typeface="Arial" charset="0"/>
-                <a:ea typeface="Arial" charset="0"/>
-                <a:cs typeface="Arial" charset="0"/>
-              </a:defRPr>
-            </a:lvl8pPr>
-            <a:lvl9pPr marL="3886200" indent="-228600" eaLnBrk="0" fontAlgn="base" hangingPunct="0">
-              <a:spcBef>
-                <a:spcPct val="0"/>
-              </a:spcBef>
-              <a:spcAft>
-                <a:spcPct val="0"/>
-              </a:spcAft>
-              <a:defRPr>
-                <a:solidFill>
-                  <a:schemeClr val="tx1"/>
-                </a:solidFill>
-                <a:latin typeface="Arial" charset="0"/>
-                <a:ea typeface="Arial" charset="0"/>
-                <a:cs typeface="Arial" charset="0"/>
-              </a:defRPr>
-            </a:lvl9pPr>
-          </a:lstStyle>
-          <a:p>
-            <a:pPr eaLnBrk="1" hangingPunct="1"/>
-            <a:fld id="{BA9AF3C9-D06A-CF4A-8D91-22E6B5895328}" type="datetime1">
-              <a:rPr lang="en-US">
-                <a:latin typeface="Garamond" charset="0"/>
-              </a:rPr>
-              <a:pPr eaLnBrk="1" hangingPunct="1"/>
-              <a:t>9/13/15</a:t>
-            </a:fld>
-            <a:endParaRPr lang="en-US">
-              <a:latin typeface="Garamond" charset="0"/>
-            </a:endParaRPr>
-          </a:p>
-        </p:txBody>
-      </p:sp>
-      <p:sp>
-        <p:nvSpPr>
-          <p:cNvPr id="5" name="Footer Placeholder 4"/>
-          <p:cNvSpPr>
-            <a:spLocks noGrp="1"/>
-          </p:cNvSpPr>
-          <p:nvPr>
-            <p:ph type="ftr" sz="quarter" idx="11"/>
-          </p:nvPr>
-        </p:nvSpPr>
-        <p:spPr/>
-        <p:txBody>
-          <a:bodyPr/>
-          <a:lstStyle/>
-          <a:p>
-            <a:pPr>
-              <a:defRPr/>
-            </a:pPr>
-            <a:r>
-              <a:rPr lang="en-US" altLang="en-US"/>
-              <a:t>Microprocessors I:  Lecture 5</a:t>
-            </a:r>
-          </a:p>
-        </p:txBody>
-      </p:sp>
-      <p:sp>
-        <p:nvSpPr>
-          <p:cNvPr id="6" name="Slide Number Placeholder 5"/>
-          <p:cNvSpPr>
-            <a:spLocks noGrp="1"/>
-          </p:cNvSpPr>
-          <p:nvPr>
-            <p:ph type="sldNum" sz="quarter" idx="12"/>
-          </p:nvPr>
-        </p:nvSpPr>
-        <p:spPr/>
-        <p:txBody>
-          <a:bodyPr/>
-          <a:lstStyle>
-            <a:lvl1pPr eaLnBrk="0" hangingPunct="0">
-              <a:defRPr>
-                <a:solidFill>
-                  <a:schemeClr val="tx1"/>
-                </a:solidFill>
-                <a:latin typeface="Arial" charset="0"/>
-                <a:ea typeface="ＭＳ Ｐゴシック" charset="0"/>
-                <a:cs typeface="Arial" charset="0"/>
-              </a:defRPr>
-            </a:lvl1pPr>
-            <a:lvl2pPr marL="742950" indent="-285750" eaLnBrk="0" hangingPunct="0">
-              <a:defRPr>
-                <a:solidFill>
-                  <a:schemeClr val="tx1"/>
-                </a:solidFill>
-                <a:latin typeface="Arial" charset="0"/>
-                <a:ea typeface="Arial" charset="0"/>
-                <a:cs typeface="Arial" charset="0"/>
-              </a:defRPr>
-            </a:lvl2pPr>
-            <a:lvl3pPr marL="1143000" indent="-228600" eaLnBrk="0" hangingPunct="0">
-              <a:defRPr>
-                <a:solidFill>
-                  <a:schemeClr val="tx1"/>
-                </a:solidFill>
-                <a:latin typeface="Arial" charset="0"/>
-                <a:ea typeface="Arial" charset="0"/>
-                <a:cs typeface="Arial" charset="0"/>
-              </a:defRPr>
-            </a:lvl3pPr>
-            <a:lvl4pPr marL="1600200" indent="-228600" eaLnBrk="0" hangingPunct="0">
-              <a:defRPr>
-                <a:solidFill>
-                  <a:schemeClr val="tx1"/>
-                </a:solidFill>
-                <a:latin typeface="Arial" charset="0"/>
-                <a:ea typeface="Arial" charset="0"/>
-                <a:cs typeface="Arial" charset="0"/>
-              </a:defRPr>
-            </a:lvl4pPr>
-            <a:lvl5pPr marL="2057400" indent="-228600" eaLnBrk="0" hangingPunct="0">
-              <a:defRPr>
-                <a:solidFill>
-                  <a:schemeClr val="tx1"/>
-                </a:solidFill>
-                <a:latin typeface="Arial" charset="0"/>
-                <a:ea typeface="Arial" charset="0"/>
-                <a:cs typeface="Arial" charset="0"/>
-              </a:defRPr>
-            </a:lvl5pPr>
-            <a:lvl6pPr marL="2514600" indent="-228600" eaLnBrk="0" fontAlgn="base" hangingPunct="0">
-              <a:spcBef>
-                <a:spcPct val="0"/>
-              </a:spcBef>
-              <a:spcAft>
-                <a:spcPct val="0"/>
-              </a:spcAft>
-              <a:defRPr>
-                <a:solidFill>
-                  <a:schemeClr val="tx1"/>
-                </a:solidFill>
-                <a:latin typeface="Arial" charset="0"/>
-                <a:ea typeface="Arial" charset="0"/>
-                <a:cs typeface="Arial" charset="0"/>
-              </a:defRPr>
-            </a:lvl6pPr>
-            <a:lvl7pPr marL="2971800" indent="-228600" eaLnBrk="0" fontAlgn="base" hangingPunct="0">
-              <a:spcBef>
-                <a:spcPct val="0"/>
-              </a:spcBef>
-              <a:spcAft>
-                <a:spcPct val="0"/>
-              </a:spcAft>
-              <a:defRPr>
-                <a:solidFill>
-                  <a:schemeClr val="tx1"/>
-                </a:solidFill>
-                <a:latin typeface="Arial" charset="0"/>
-                <a:ea typeface="Arial" charset="0"/>
-                <a:cs typeface="Arial" charset="0"/>
-              </a:defRPr>
-            </a:lvl7pPr>
-            <a:lvl8pPr marL="3429000" indent="-228600" eaLnBrk="0" fontAlgn="base" hangingPunct="0">
-              <a:spcBef>
-                <a:spcPct val="0"/>
-              </a:spcBef>
-              <a:spcAft>
-                <a:spcPct val="0"/>
-              </a:spcAft>
-              <a:defRPr>
-                <a:solidFill>
-                  <a:schemeClr val="tx1"/>
-                </a:solidFill>
-                <a:latin typeface="Arial" charset="0"/>
-                <a:ea typeface="Arial" charset="0"/>
-                <a:cs typeface="Arial" charset="0"/>
-              </a:defRPr>
-            </a:lvl8pPr>
-            <a:lvl9pPr marL="3886200" indent="-228600" eaLnBrk="0" fontAlgn="base" hangingPunct="0">
-              <a:spcBef>
-                <a:spcPct val="0"/>
-              </a:spcBef>
-              <a:spcAft>
-                <a:spcPct val="0"/>
-              </a:spcAft>
-              <a:defRPr>
-                <a:solidFill>
-                  <a:schemeClr val="tx1"/>
-                </a:solidFill>
-                <a:latin typeface="Arial" charset="0"/>
-                <a:ea typeface="Arial" charset="0"/>
-                <a:cs typeface="Arial" charset="0"/>
-              </a:defRPr>
-            </a:lvl9pPr>
-          </a:lstStyle>
-          <a:p>
-            <a:pPr eaLnBrk="1" hangingPunct="1"/>
-            <a:fld id="{FC976DA2-1AA8-0747-8B38-DEF396B163B2}" type="slidenum">
-              <a:rPr lang="en-US">
-                <a:latin typeface="Garamond" charset="0"/>
-              </a:rPr>
-              <a:pPr eaLnBrk="1" hangingPunct="1"/>
-              <a:t>16</a:t>
-            </a:fld>
-            <a:endParaRPr lang="en-US">
-              <a:latin typeface="Garamond" charset="0"/>
-            </a:endParaRPr>
-          </a:p>
-        </p:txBody>
-      </p:sp>
-    </p:spTree>
-    <p:extLst>
-      <p:ext uri="{BB962C8B-B14F-4D97-AF65-F5344CB8AC3E}">
-        <p14:creationId xmlns:p14="http://schemas.microsoft.com/office/powerpoint/2010/main" val="154807277"/>
-      </p:ext>
-    </p:extLst>
-  </p:cSld>
-  <p:clrMapOvr>
-    <a:masterClrMapping/>
-  </p:clrMapOvr>
-  <p:timing>
-    <p:tnLst>
-      <p:par>
-        <p:cTn xmlns:p14="http://schemas.microsoft.com/office/powerpoint/2010/main" id="1" dur="indefinite" restart="never" nodeType="tmRoot"/>
-      </p:par>
-    </p:tnLst>
-  </p:timing>
-</p:sld>
-</file>
-
-<file path=ppt/slides/slide17.xml><?xml version="1.0" encoding="utf-8"?>
-<p:sld xmlns:a="http://schemas.openxmlformats.org/drawingml/2006/main" xmlns:r="http://schemas.openxmlformats.org/officeDocument/2006/relationships" xmlns:p="http://schemas.openxmlformats.org/presentationml/2006/main">
-  <p:cSld>
-    <p:spTree>
-      <p:nvGrpSpPr>
-        <p:cNvPr id="1" name=""/>
-        <p:cNvGrpSpPr/>
-        <p:nvPr/>
-      </p:nvGrpSpPr>
-      <p:grpSpPr>
-        <a:xfrm>
-          <a:off x="0" y="0"/>
-          <a:ext cx="0" cy="0"/>
-          <a:chOff x="0" y="0"/>
-          <a:chExt cx="0" cy="0"/>
-        </a:xfrm>
-      </p:grpSpPr>
-      <p:sp>
-        <p:nvSpPr>
-          <p:cNvPr id="11266" name="Title 1"/>
-          <p:cNvSpPr>
-            <a:spLocks noGrp="1"/>
-          </p:cNvSpPr>
-          <p:nvPr>
-            <p:ph type="title"/>
-          </p:nvPr>
-        </p:nvSpPr>
-        <p:spPr/>
-        <p:txBody>
-          <a:bodyPr/>
-          <a:lstStyle/>
-          <a:p>
-            <a:r>
-              <a:rPr lang="en-US">
-                <a:latin typeface="Garamond" charset="0"/>
-              </a:rPr>
-              <a:t>Example</a:t>
-            </a:r>
-          </a:p>
-        </p:txBody>
-      </p:sp>
-      <p:graphicFrame>
-        <p:nvGraphicFramePr>
-          <p:cNvPr id="11" name="Content Placeholder 10"/>
-          <p:cNvGraphicFramePr>
-            <a:graphicFrameLocks noGrp="1"/>
-          </p:cNvGraphicFramePr>
-          <p:nvPr>
-            <p:ph sz="half" idx="1"/>
-          </p:nvPr>
-        </p:nvGraphicFramePr>
-        <p:xfrm>
-          <a:off x="-381000" y="1676400"/>
-          <a:ext cx="4343400" cy="1854200"/>
-        </p:xfrm>
-        <a:graphic>
-          <a:graphicData uri="http://schemas.openxmlformats.org/drawingml/2006/table">
-            <a:tbl>
-              <a:tblPr firstRow="1" bandRow="1">
-                <a:tableStyleId>{5940675A-B579-460E-94D1-54222C63F5DA}</a:tableStyleId>
-              </a:tblPr>
-              <a:tblGrid>
-                <a:gridCol w="1600200"/>
-                <a:gridCol w="685800"/>
-                <a:gridCol w="685800"/>
-                <a:gridCol w="685800"/>
-                <a:gridCol w="685800"/>
-              </a:tblGrid>
-              <a:tr h="370840">
-                <a:tc>
-                  <a:txBody>
-                    <a:bodyPr/>
-                    <a:lstStyle/>
-                    <a:p>
-                      <a:pPr algn="r"/>
-                      <a:endParaRPr lang="en-US" dirty="0"/>
-                    </a:p>
-                  </a:txBody>
-                  <a:tcPr>
-                    <a:lnL w="12700" cap="flat" cmpd="sng" algn="ctr">
-                      <a:noFill/>
-                      <a:prstDash val="solid"/>
-                      <a:round/>
-                      <a:headEnd type="none" w="med" len="med"/>
-                      <a:tailEnd type="none" w="med" len="med"/>
-                    </a:lnL>
-                    <a:lnR w="12700" cap="flat" cmpd="sng" algn="ctr">
-                      <a:noFill/>
-                      <a:prstDash val="solid"/>
-                      <a:round/>
-                      <a:headEnd type="none" w="med" len="med"/>
-                      <a:tailEnd type="none" w="med" len="med"/>
-                    </a:lnR>
-                    <a:lnT w="12700" cap="flat" cmpd="sng" algn="ctr">
-                      <a:noFill/>
-                      <a:prstDash val="solid"/>
-                      <a:round/>
-                      <a:headEnd type="none" w="med" len="med"/>
-                      <a:tailEnd type="none" w="med" len="med"/>
-                    </a:lnT>
-                    <a:lnB w="12700" cap="flat" cmpd="sng" algn="ctr">
-                      <a:noFill/>
-                      <a:prstDash val="solid"/>
-                      <a:round/>
-                      <a:headEnd type="none" w="med" len="med"/>
-                      <a:tailEnd type="none" w="med" len="med"/>
-                    </a:lnB>
-                    <a:lnTlToBr w="12700" cmpd="sng">
-                      <a:noFill/>
-                      <a:prstDash val="solid"/>
-                    </a:lnTlToBr>
-                    <a:lnBlToTr w="12700" cmpd="sng">
-                      <a:noFill/>
-                      <a:prstDash val="solid"/>
-                    </a:lnBlToTr>
-                  </a:tcPr>
-                </a:tc>
-                <a:tc>
-                  <a:txBody>
-                    <a:bodyPr/>
-                    <a:lstStyle/>
-                    <a:p>
-                      <a:pPr algn="ctr"/>
-                      <a:r>
-                        <a:rPr lang="en-US" dirty="0" smtClean="0"/>
-                        <a:t>Lo</a:t>
-                      </a:r>
-                      <a:endParaRPr lang="en-US" dirty="0"/>
-                    </a:p>
-                  </a:txBody>
-                  <a:tcPr>
-                    <a:lnL w="12700" cap="flat" cmpd="sng" algn="ctr">
-                      <a:noFill/>
-                      <a:prstDash val="solid"/>
-                      <a:round/>
-                      <a:headEnd type="none" w="med" len="med"/>
-                      <a:tailEnd type="none" w="med" len="med"/>
-                    </a:lnL>
-                    <a:lnR w="12700" cmpd="sng">
-                      <a:noFill/>
-                    </a:lnR>
-                    <a:lnT w="12700" cmpd="sng">
-                      <a:noFill/>
-                    </a:lnT>
-                    <a:lnB w="12700" cap="flat" cmpd="sng" algn="ctr">
-                      <a:solidFill>
-                        <a:schemeClr val="tx1"/>
-                      </a:solidFill>
-                      <a:prstDash val="solid"/>
-                      <a:round/>
-                      <a:headEnd type="none" w="med" len="med"/>
-                      <a:tailEnd type="none" w="med" len="med"/>
-                    </a:lnB>
-                    <a:lnTlToBr w="12700" cmpd="sng">
-                      <a:noFill/>
-                      <a:prstDash val="solid"/>
-                    </a:lnTlToBr>
-                    <a:lnBlToTr w="12700" cmpd="sng">
-                      <a:noFill/>
-                      <a:prstDash val="solid"/>
-                    </a:lnBlToTr>
-                  </a:tcPr>
-                </a:tc>
-                <a:tc>
-                  <a:txBody>
-                    <a:bodyPr/>
-                    <a:lstStyle/>
-                    <a:p>
-                      <a:pPr algn="ctr"/>
-                      <a:endParaRPr lang="en-US" dirty="0"/>
-                    </a:p>
-                  </a:txBody>
-                  <a:tcPr>
-                    <a:lnL w="12700" cmpd="sng">
-                      <a:noFill/>
-                    </a:lnL>
-                    <a:lnR w="12700" cmpd="sng">
-                      <a:noFill/>
-                    </a:lnR>
-                    <a:lnT w="12700" cmpd="sng">
-                      <a:noFill/>
-                    </a:lnT>
-                    <a:lnB w="12700" cap="flat" cmpd="sng" algn="ctr">
-                      <a:solidFill>
-                        <a:schemeClr val="tx1"/>
-                      </a:solidFill>
-                      <a:prstDash val="solid"/>
-                      <a:round/>
-                      <a:headEnd type="none" w="med" len="med"/>
-                      <a:tailEnd type="none" w="med" len="med"/>
-                    </a:lnB>
-                    <a:lnTlToBr w="12700" cmpd="sng">
-                      <a:noFill/>
-                      <a:prstDash val="solid"/>
-                    </a:lnTlToBr>
-                    <a:lnBlToTr w="12700" cmpd="sng">
-                      <a:noFill/>
-                      <a:prstDash val="solid"/>
-                    </a:lnBlToTr>
-                  </a:tcPr>
-                </a:tc>
-                <a:tc>
-                  <a:txBody>
-                    <a:bodyPr/>
-                    <a:lstStyle/>
-                    <a:p>
-                      <a:pPr algn="ctr"/>
-                      <a:endParaRPr lang="en-US" dirty="0"/>
-                    </a:p>
-                  </a:txBody>
-                  <a:tcPr>
-                    <a:lnL w="12700" cmpd="sng">
-                      <a:noFill/>
-                    </a:lnL>
-                    <a:lnR w="12700" cmpd="sng">
-                      <a:noFill/>
-                    </a:lnR>
-                    <a:lnT w="12700" cmpd="sng">
-                      <a:noFill/>
-                    </a:lnT>
-                    <a:lnB w="12700" cap="flat" cmpd="sng" algn="ctr">
-                      <a:solidFill>
-                        <a:schemeClr val="tx1"/>
-                      </a:solidFill>
-                      <a:prstDash val="solid"/>
-                      <a:round/>
-                      <a:headEnd type="none" w="med" len="med"/>
-                      <a:tailEnd type="none" w="med" len="med"/>
-                    </a:lnB>
-                    <a:lnTlToBr w="12700" cmpd="sng">
-                      <a:noFill/>
-                      <a:prstDash val="solid"/>
-                    </a:lnTlToBr>
-                    <a:lnBlToTr w="12700" cmpd="sng">
-                      <a:noFill/>
-                      <a:prstDash val="solid"/>
-                    </a:lnBlToTr>
-                  </a:tcPr>
-                </a:tc>
-                <a:tc>
-                  <a:txBody>
-                    <a:bodyPr/>
-                    <a:lstStyle/>
-                    <a:p>
-                      <a:pPr algn="ctr"/>
-                      <a:r>
-                        <a:rPr lang="en-US" dirty="0" smtClean="0"/>
-                        <a:t>Hi</a:t>
-                      </a:r>
-                      <a:endParaRPr lang="en-US" dirty="0"/>
-                    </a:p>
-                  </a:txBody>
-                  <a:tcPr>
-                    <a:lnL w="12700" cmpd="sng">
-                      <a:noFill/>
-                    </a:lnL>
-                    <a:lnR w="12700" cmpd="sng">
-                      <a:noFill/>
-                    </a:lnR>
-                    <a:lnT w="12700" cmpd="sng">
-                      <a:noFill/>
-                    </a:lnT>
-                    <a:lnB w="12700" cap="flat" cmpd="sng" algn="ctr">
-                      <a:solidFill>
-                        <a:schemeClr val="tx1"/>
-                      </a:solidFill>
-                      <a:prstDash val="solid"/>
-                      <a:round/>
-                      <a:headEnd type="none" w="med" len="med"/>
-                      <a:tailEnd type="none" w="med" len="med"/>
-                    </a:lnB>
-                    <a:lnTlToBr w="12700" cmpd="sng">
-                      <a:noFill/>
-                      <a:prstDash val="solid"/>
-                    </a:lnTlToBr>
-                    <a:lnBlToTr w="12700" cmpd="sng">
-                      <a:noFill/>
-                      <a:prstDash val="solid"/>
-                    </a:lnBlToTr>
-                  </a:tcPr>
-                </a:tc>
-              </a:tr>
-              <a:tr h="370840">
-                <a:tc>
-                  <a:txBody>
-                    <a:bodyPr/>
-                    <a:lstStyle/>
-                    <a:p>
-                      <a:pPr algn="r"/>
-                      <a:r>
-                        <a:rPr lang="en-US" dirty="0" smtClean="0"/>
-                        <a:t>0x528000</a:t>
-                      </a:r>
-                      <a:endParaRPr lang="en-US" dirty="0"/>
-                    </a:p>
-                  </a:txBody>
-                  <a:tcPr>
-                    <a:lnL w="12700" cap="flat" cmpd="sng" algn="ctr">
-                      <a:noFill/>
-                      <a:prstDash val="solid"/>
-                      <a:round/>
-                      <a:headEnd type="none" w="med" len="med"/>
-                      <a:tailEnd type="none" w="med" len="med"/>
-                    </a:lnL>
-                    <a:lnR w="12700" cap="flat" cmpd="sng" algn="ctr">
-                      <a:solidFill>
-                        <a:schemeClr val="tx1"/>
-                      </a:solidFill>
-                      <a:prstDash val="solid"/>
-                      <a:round/>
-                      <a:headEnd type="none" w="med" len="med"/>
-                      <a:tailEnd type="none" w="med" len="med"/>
-                    </a:lnR>
-                    <a:lnT w="12700" cap="flat" cmpd="sng" algn="ctr">
-                      <a:noFill/>
-                      <a:prstDash val="solid"/>
-                      <a:round/>
-                      <a:headEnd type="none" w="med" len="med"/>
-                      <a:tailEnd type="none" w="med" len="med"/>
-                    </a:lnT>
-                    <a:lnB w="12700" cap="flat" cmpd="sng" algn="ctr">
-                      <a:noFill/>
-                      <a:prstDash val="solid"/>
-                      <a:round/>
-                      <a:headEnd type="none" w="med" len="med"/>
-                      <a:tailEnd type="none" w="med" len="med"/>
-                    </a:lnB>
-                    <a:lnTlToBr w="12700" cmpd="sng">
-                      <a:noFill/>
-                      <a:prstDash val="solid"/>
-                    </a:lnTlToBr>
-                    <a:lnBlToTr w="12700" cmpd="sng">
-                      <a:noFill/>
-                      <a:prstDash val="solid"/>
-                    </a:lnBlToTr>
-                  </a:tcPr>
-                </a:tc>
-                <a:tc>
-                  <a:txBody>
-                    <a:bodyPr/>
-                    <a:lstStyle/>
-                    <a:p>
-                      <a:pPr algn="ctr"/>
-                      <a:r>
-                        <a:rPr lang="en-US" dirty="0" smtClean="0"/>
-                        <a:t>50</a:t>
-                      </a:r>
-                      <a:endParaRPr lang="en-US" dirty="0"/>
-                    </a:p>
-                  </a:txBody>
-                  <a:tcPr>
-                    <a:lnL w="12700" cap="flat" cmpd="sng" algn="ctr">
-                      <a:solidFill>
-                        <a:schemeClr val="tx1"/>
-                      </a:solidFill>
-                      <a:prstDash val="solid"/>
-                      <a:round/>
-                      <a:headEnd type="none" w="med" len="med"/>
-                      <a:tailEnd type="none" w="med" len="med"/>
-                    </a:lnL>
-                    <a:lnT w="12700" cap="flat" cmpd="sng" algn="ctr">
-                      <a:solidFill>
-                        <a:schemeClr val="tx1"/>
-                      </a:solidFill>
-                      <a:prstDash val="solid"/>
-                      <a:round/>
-                      <a:headEnd type="none" w="med" len="med"/>
-                      <a:tailEnd type="none" w="med" len="med"/>
-                    </a:lnT>
-                  </a:tcPr>
-                </a:tc>
-                <a:tc>
-                  <a:txBody>
-                    <a:bodyPr/>
-                    <a:lstStyle/>
-                    <a:p>
-                      <a:pPr algn="ctr"/>
-                      <a:r>
-                        <a:rPr lang="en-US" dirty="0" smtClean="0"/>
-                        <a:t>88</a:t>
-                      </a:r>
-                      <a:endParaRPr lang="en-US" dirty="0"/>
-                    </a:p>
-                  </a:txBody>
-                  <a:tcPr>
-                    <a:lnT w="12700" cap="flat" cmpd="sng" algn="ctr">
-                      <a:solidFill>
-                        <a:schemeClr val="tx1"/>
-                      </a:solidFill>
-                      <a:prstDash val="solid"/>
-                      <a:round/>
-                      <a:headEnd type="none" w="med" len="med"/>
-                      <a:tailEnd type="none" w="med" len="med"/>
-                    </a:lnT>
-                  </a:tcPr>
-                </a:tc>
-                <a:tc>
-                  <a:txBody>
-                    <a:bodyPr/>
-                    <a:lstStyle/>
-                    <a:p>
-                      <a:pPr algn="ctr"/>
-                      <a:r>
-                        <a:rPr lang="en-US" dirty="0" smtClean="0"/>
-                        <a:t>31</a:t>
-                      </a:r>
-                      <a:endParaRPr lang="en-US" dirty="0"/>
-                    </a:p>
-                  </a:txBody>
-                  <a:tcPr>
-                    <a:lnT w="12700" cap="flat" cmpd="sng" algn="ctr">
-                      <a:solidFill>
-                        <a:schemeClr val="tx1"/>
-                      </a:solidFill>
-                      <a:prstDash val="solid"/>
-                      <a:round/>
-                      <a:headEnd type="none" w="med" len="med"/>
-                      <a:tailEnd type="none" w="med" len="med"/>
-                    </a:lnT>
-                  </a:tcPr>
-                </a:tc>
-                <a:tc>
-                  <a:txBody>
-                    <a:bodyPr/>
-                    <a:lstStyle/>
-                    <a:p>
-                      <a:pPr algn="ctr"/>
-                      <a:r>
-                        <a:rPr lang="en-US" dirty="0" smtClean="0"/>
-                        <a:t>A3</a:t>
-                      </a:r>
-                      <a:endParaRPr lang="en-US" dirty="0"/>
-                    </a:p>
-                  </a:txBody>
-                  <a:tcPr>
-                    <a:lnT w="12700" cap="flat" cmpd="sng" algn="ctr">
-                      <a:solidFill>
-                        <a:schemeClr val="tx1"/>
-                      </a:solidFill>
-                      <a:prstDash val="solid"/>
-                      <a:round/>
-                      <a:headEnd type="none" w="med" len="med"/>
-                      <a:tailEnd type="none" w="med" len="med"/>
-                    </a:lnT>
-                  </a:tcPr>
-                </a:tc>
-              </a:tr>
-              <a:tr h="370840">
-                <a:tc>
-                  <a:txBody>
-                    <a:bodyPr/>
-                    <a:lstStyle/>
-                    <a:p>
-                      <a:pPr algn="r"/>
-                      <a:r>
-                        <a:rPr lang="en-US" dirty="0" smtClean="0"/>
-                        <a:t>0x528004</a:t>
-                      </a:r>
-                      <a:endParaRPr lang="en-US" dirty="0"/>
-                    </a:p>
-                  </a:txBody>
-                  <a:tcPr>
-                    <a:lnL w="12700" cap="flat" cmpd="sng" algn="ctr">
-                      <a:noFill/>
-                      <a:prstDash val="solid"/>
-                      <a:round/>
-                      <a:headEnd type="none" w="med" len="med"/>
-                      <a:tailEnd type="none" w="med" len="med"/>
-                    </a:lnL>
-                    <a:lnR w="12700" cap="flat" cmpd="sng" algn="ctr">
-                      <a:solidFill>
-                        <a:schemeClr val="tx1"/>
-                      </a:solidFill>
-                      <a:prstDash val="solid"/>
-                      <a:round/>
-                      <a:headEnd type="none" w="med" len="med"/>
-                      <a:tailEnd type="none" w="med" len="med"/>
-                    </a:lnR>
-                    <a:lnT w="12700" cap="flat" cmpd="sng" algn="ctr">
-                      <a:noFill/>
-                      <a:prstDash val="solid"/>
-                      <a:round/>
-                      <a:headEnd type="none" w="med" len="med"/>
-                      <a:tailEnd type="none" w="med" len="med"/>
-                    </a:lnT>
-                    <a:lnB w="12700" cap="flat" cmpd="sng" algn="ctr">
-                      <a:noFill/>
-                      <a:prstDash val="solid"/>
-                      <a:round/>
-                      <a:headEnd type="none" w="med" len="med"/>
-                      <a:tailEnd type="none" w="med" len="med"/>
-                    </a:lnB>
-                    <a:lnTlToBr w="12700" cmpd="sng">
-                      <a:noFill/>
-                      <a:prstDash val="solid"/>
-                    </a:lnTlToBr>
-                    <a:lnBlToTr w="12700" cmpd="sng">
-                      <a:noFill/>
-                      <a:prstDash val="solid"/>
-                    </a:lnBlToTr>
-                  </a:tcPr>
-                </a:tc>
-                <a:tc>
-                  <a:txBody>
-                    <a:bodyPr/>
-                    <a:lstStyle/>
-                    <a:p>
-                      <a:pPr algn="ctr"/>
-                      <a:r>
-                        <a:rPr lang="en-US" dirty="0" smtClean="0"/>
-                        <a:t>B2</a:t>
-                      </a:r>
-                      <a:endParaRPr lang="en-US" dirty="0"/>
-                    </a:p>
-                  </a:txBody>
-                  <a:tcPr>
-                    <a:lnL w="12700" cap="flat" cmpd="sng" algn="ctr">
-                      <a:solidFill>
-                        <a:schemeClr val="tx1"/>
-                      </a:solidFill>
-                      <a:prstDash val="solid"/>
-                      <a:round/>
-                      <a:headEnd type="none" w="med" len="med"/>
-                      <a:tailEnd type="none" w="med" len="med"/>
-                    </a:lnL>
-                  </a:tcPr>
-                </a:tc>
-                <a:tc>
-                  <a:txBody>
-                    <a:bodyPr/>
-                    <a:lstStyle/>
-                    <a:p>
-                      <a:pPr algn="ctr"/>
-                      <a:r>
-                        <a:rPr lang="en-US" dirty="0" smtClean="0"/>
-                        <a:t>FF</a:t>
-                      </a:r>
-                      <a:endParaRPr lang="en-US" dirty="0"/>
-                    </a:p>
-                  </a:txBody>
-                  <a:tcPr/>
-                </a:tc>
-                <a:tc>
-                  <a:txBody>
-                    <a:bodyPr/>
-                    <a:lstStyle/>
-                    <a:p>
-                      <a:pPr algn="ctr"/>
-                      <a:r>
-                        <a:rPr lang="en-US" dirty="0" smtClean="0"/>
-                        <a:t>0F</a:t>
-                      </a:r>
-                      <a:endParaRPr lang="en-US" dirty="0"/>
-                    </a:p>
-                  </a:txBody>
-                  <a:tcPr/>
-                </a:tc>
-                <a:tc>
-                  <a:txBody>
-                    <a:bodyPr/>
-                    <a:lstStyle/>
-                    <a:p>
-                      <a:pPr algn="ctr"/>
-                      <a:r>
-                        <a:rPr lang="en-US" dirty="0" smtClean="0"/>
-                        <a:t>7D</a:t>
-                      </a:r>
-                      <a:endParaRPr lang="en-US" dirty="0"/>
-                    </a:p>
-                  </a:txBody>
-                  <a:tcPr/>
-                </a:tc>
-              </a:tr>
-              <a:tr h="370840">
-                <a:tc>
-                  <a:txBody>
-                    <a:bodyPr/>
-                    <a:lstStyle/>
-                    <a:p>
-                      <a:pPr algn="r"/>
-                      <a:r>
-                        <a:rPr lang="en-US" dirty="0" smtClean="0"/>
-                        <a:t>0x528008</a:t>
-                      </a:r>
-                      <a:endParaRPr lang="en-US" dirty="0"/>
-                    </a:p>
-                  </a:txBody>
-                  <a:tcPr>
-                    <a:lnL w="12700" cap="flat" cmpd="sng" algn="ctr">
-                      <a:noFill/>
-                      <a:prstDash val="solid"/>
-                      <a:round/>
-                      <a:headEnd type="none" w="med" len="med"/>
-                      <a:tailEnd type="none" w="med" len="med"/>
-                    </a:lnL>
-                    <a:lnR w="12700" cap="flat" cmpd="sng" algn="ctr">
-                      <a:solidFill>
-                        <a:schemeClr val="tx1"/>
-                      </a:solidFill>
-                      <a:prstDash val="solid"/>
-                      <a:round/>
-                      <a:headEnd type="none" w="med" len="med"/>
-                      <a:tailEnd type="none" w="med" len="med"/>
-                    </a:lnR>
-                    <a:lnT w="12700" cap="flat" cmpd="sng" algn="ctr">
-                      <a:noFill/>
-                      <a:prstDash val="solid"/>
-                      <a:round/>
-                      <a:headEnd type="none" w="med" len="med"/>
-                      <a:tailEnd type="none" w="med" len="med"/>
-                    </a:lnT>
-                    <a:lnB w="12700" cap="flat" cmpd="sng" algn="ctr">
-                      <a:noFill/>
-                      <a:prstDash val="solid"/>
-                      <a:round/>
-                      <a:headEnd type="none" w="med" len="med"/>
-                      <a:tailEnd type="none" w="med" len="med"/>
-                    </a:lnB>
-                    <a:lnTlToBr w="12700" cmpd="sng">
-                      <a:noFill/>
-                      <a:prstDash val="solid"/>
-                    </a:lnTlToBr>
-                    <a:lnBlToTr w="12700" cmpd="sng">
-                      <a:noFill/>
-                      <a:prstDash val="solid"/>
-                    </a:lnBlToTr>
-                  </a:tcPr>
-                </a:tc>
-                <a:tc>
-                  <a:txBody>
-                    <a:bodyPr/>
-                    <a:lstStyle/>
-                    <a:p>
-                      <a:pPr algn="ctr"/>
-                      <a:r>
-                        <a:rPr lang="en-US" dirty="0" smtClean="0"/>
-                        <a:t>07</a:t>
-                      </a:r>
-                      <a:endParaRPr lang="en-US" dirty="0"/>
-                    </a:p>
-                  </a:txBody>
-                  <a:tcPr>
-                    <a:lnL w="12700" cap="flat" cmpd="sng" algn="ctr">
-                      <a:solidFill>
-                        <a:schemeClr val="tx1"/>
-                      </a:solidFill>
-                      <a:prstDash val="solid"/>
-                      <a:round/>
-                      <a:headEnd type="none" w="med" len="med"/>
-                      <a:tailEnd type="none" w="med" len="med"/>
-                    </a:lnL>
-                  </a:tcPr>
-                </a:tc>
-                <a:tc>
-                  <a:txBody>
-                    <a:bodyPr/>
-                    <a:lstStyle/>
-                    <a:p>
-                      <a:pPr algn="ctr"/>
-                      <a:r>
-                        <a:rPr lang="en-US" dirty="0" smtClean="0"/>
-                        <a:t>D0</a:t>
-                      </a:r>
-                      <a:endParaRPr lang="en-US" dirty="0"/>
-                    </a:p>
-                  </a:txBody>
-                  <a:tcPr/>
-                </a:tc>
-                <a:tc>
-                  <a:txBody>
-                    <a:bodyPr/>
-                    <a:lstStyle/>
-                    <a:p>
-                      <a:pPr algn="ctr"/>
-                      <a:r>
-                        <a:rPr lang="en-US" dirty="0" smtClean="0"/>
-                        <a:t>BE</a:t>
-                      </a:r>
-                      <a:endParaRPr lang="en-US" dirty="0"/>
-                    </a:p>
-                  </a:txBody>
-                  <a:tcPr/>
-                </a:tc>
-                <a:tc>
-                  <a:txBody>
-                    <a:bodyPr/>
-                    <a:lstStyle/>
-                    <a:p>
-                      <a:pPr algn="ctr"/>
-                      <a:r>
-                        <a:rPr lang="en-US" dirty="0" smtClean="0"/>
-                        <a:t>22</a:t>
-                      </a:r>
-                      <a:endParaRPr lang="en-US" dirty="0"/>
-                    </a:p>
-                  </a:txBody>
-                  <a:tcPr/>
-                </a:tc>
-              </a:tr>
-              <a:tr h="370840">
-                <a:tc>
-                  <a:txBody>
-                    <a:bodyPr/>
-                    <a:lstStyle/>
-                    <a:p>
-                      <a:pPr algn="r"/>
-                      <a:r>
-                        <a:rPr lang="en-US" dirty="0" smtClean="0"/>
-                        <a:t>0x52800C</a:t>
-                      </a:r>
-                      <a:endParaRPr lang="en-US" dirty="0"/>
-                    </a:p>
-                  </a:txBody>
-                  <a:tcPr>
-                    <a:lnL w="12700" cap="flat" cmpd="sng" algn="ctr">
-                      <a:noFill/>
-                      <a:prstDash val="solid"/>
-                      <a:round/>
-                      <a:headEnd type="none" w="med" len="med"/>
-                      <a:tailEnd type="none" w="med" len="med"/>
-                    </a:lnL>
-                    <a:lnR w="12700" cap="flat" cmpd="sng" algn="ctr">
-                      <a:solidFill>
-                        <a:schemeClr val="tx1"/>
-                      </a:solidFill>
-                      <a:prstDash val="solid"/>
-                      <a:round/>
-                      <a:headEnd type="none" w="med" len="med"/>
-                      <a:tailEnd type="none" w="med" len="med"/>
-                    </a:lnR>
-                    <a:lnT w="12700" cap="flat" cmpd="sng" algn="ctr">
-                      <a:noFill/>
-                      <a:prstDash val="solid"/>
-                      <a:round/>
-                      <a:headEnd type="none" w="med" len="med"/>
-                      <a:tailEnd type="none" w="med" len="med"/>
-                    </a:lnT>
-                    <a:lnB w="12700" cap="flat" cmpd="sng" algn="ctr">
-                      <a:noFill/>
-                      <a:prstDash val="solid"/>
-                      <a:round/>
-                      <a:headEnd type="none" w="med" len="med"/>
-                      <a:tailEnd type="none" w="med" len="med"/>
-                    </a:lnB>
-                    <a:lnTlToBr w="12700" cmpd="sng">
-                      <a:noFill/>
-                      <a:prstDash val="solid"/>
-                    </a:lnTlToBr>
-                    <a:lnBlToTr w="12700" cmpd="sng">
-                      <a:noFill/>
-                      <a:prstDash val="solid"/>
-                    </a:lnBlToTr>
-                  </a:tcPr>
-                </a:tc>
-                <a:tc>
-                  <a:txBody>
-                    <a:bodyPr/>
-                    <a:lstStyle/>
-                    <a:p>
-                      <a:pPr algn="ctr"/>
-                      <a:r>
-                        <a:rPr lang="en-US" dirty="0" smtClean="0"/>
-                        <a:t>11</a:t>
-                      </a:r>
-                      <a:endParaRPr lang="en-US" dirty="0"/>
-                    </a:p>
-                  </a:txBody>
-                  <a:tcPr>
-                    <a:lnL w="12700" cap="flat" cmpd="sng" algn="ctr">
-                      <a:solidFill>
-                        <a:schemeClr val="tx1"/>
-                      </a:solidFill>
-                      <a:prstDash val="solid"/>
-                      <a:round/>
-                      <a:headEnd type="none" w="med" len="med"/>
-                      <a:tailEnd type="none" w="med" len="med"/>
-                    </a:lnL>
-                  </a:tcPr>
-                </a:tc>
-                <a:tc>
-                  <a:txBody>
-                    <a:bodyPr/>
-                    <a:lstStyle/>
-                    <a:p>
-                      <a:pPr algn="ctr"/>
-                      <a:r>
-                        <a:rPr lang="en-US" dirty="0" smtClean="0"/>
-                        <a:t>96</a:t>
-                      </a:r>
-                      <a:endParaRPr lang="en-US" dirty="0"/>
-                    </a:p>
-                  </a:txBody>
-                  <a:tcPr/>
-                </a:tc>
-                <a:tc>
-                  <a:txBody>
-                    <a:bodyPr/>
-                    <a:lstStyle/>
-                    <a:p>
-                      <a:pPr algn="ctr"/>
-                      <a:r>
-                        <a:rPr lang="en-US" dirty="0" smtClean="0"/>
-                        <a:t>00</a:t>
-                      </a:r>
-                      <a:endParaRPr lang="en-US" dirty="0"/>
-                    </a:p>
-                  </a:txBody>
-                  <a:tcPr/>
-                </a:tc>
-                <a:tc>
-                  <a:txBody>
-                    <a:bodyPr/>
-                    <a:lstStyle/>
-                    <a:p>
-                      <a:pPr algn="ctr"/>
-                      <a:r>
-                        <a:rPr lang="en-US" dirty="0" smtClean="0"/>
-                        <a:t>14</a:t>
-                      </a:r>
-                      <a:endParaRPr lang="en-US" dirty="0"/>
-                    </a:p>
-                  </a:txBody>
-                  <a:tcPr/>
-                </a:tc>
-              </a:tr>
-            </a:tbl>
-          </a:graphicData>
-        </a:graphic>
-      </p:graphicFrame>
-      <p:sp>
-        <p:nvSpPr>
-          <p:cNvPr id="10" name="Content Placeholder 9"/>
-          <p:cNvSpPr>
-            <a:spLocks noGrp="1"/>
-          </p:cNvSpPr>
-          <p:nvPr>
-            <p:ph sz="half" idx="2"/>
-          </p:nvPr>
-        </p:nvSpPr>
-        <p:spPr>
-          <a:xfrm>
-            <a:off x="4191000" y="1143000"/>
-            <a:ext cx="4495800" cy="4987925"/>
-          </a:xfrm>
-        </p:spPr>
-        <p:txBody>
-          <a:bodyPr>
-            <a:normAutofit/>
-          </a:bodyPr>
-          <a:lstStyle/>
-          <a:p>
-            <a:pPr>
-              <a:buFont typeface="Wingdings" pitchFamily="2" charset="2"/>
-              <a:buChar char="n"/>
-              <a:defRPr/>
-            </a:pPr>
-            <a:r>
-              <a:rPr lang="en-US" dirty="0" smtClean="0">
-                <a:ea typeface="+mn-ea"/>
-              </a:rPr>
-              <a:t>Given the initial memory contents at left, show the results of the following instruction sequence:</a:t>
-            </a:r>
-          </a:p>
-          <a:p>
-            <a:pPr marL="0" indent="0">
-              <a:buFont typeface="Wingdings" pitchFamily="2" charset="2"/>
-              <a:buNone/>
-              <a:defRPr/>
-            </a:pPr>
-            <a:endParaRPr lang="en-US" dirty="0" smtClean="0">
-              <a:ea typeface="+mn-ea"/>
-            </a:endParaRPr>
-          </a:p>
-          <a:p>
-            <a:pPr marL="0" indent="0">
-              <a:buFont typeface="Wingdings" pitchFamily="2" charset="2"/>
-              <a:buNone/>
-              <a:defRPr/>
-            </a:pPr>
-            <a:r>
-              <a:rPr lang="en-US" dirty="0" smtClean="0">
-                <a:ea typeface="+mn-ea"/>
-              </a:rPr>
-              <a:t>MOV    EAX, 528000h</a:t>
-            </a:r>
-          </a:p>
-          <a:p>
-            <a:pPr marL="0" indent="0">
-              <a:buFont typeface="Wingdings" pitchFamily="2" charset="2"/>
-              <a:buNone/>
-              <a:defRPr/>
-            </a:pPr>
-            <a:r>
-              <a:rPr lang="en-US" dirty="0" smtClean="0">
-                <a:ea typeface="+mn-ea"/>
-              </a:rPr>
-              <a:t>MOV</a:t>
-            </a:r>
-            <a:r>
-              <a:rPr lang="en-US" dirty="0">
-                <a:ea typeface="+mn-ea"/>
-              </a:rPr>
-              <a:t> </a:t>
-            </a:r>
-            <a:r>
-              <a:rPr lang="en-US" dirty="0" smtClean="0">
-                <a:ea typeface="+mn-ea"/>
-              </a:rPr>
-              <a:t>   EBX, [EAX+2]</a:t>
-            </a:r>
-          </a:p>
-          <a:p>
-            <a:pPr marL="0" indent="0">
-              <a:buFont typeface="Wingdings" pitchFamily="2" charset="2"/>
-              <a:buNone/>
-              <a:defRPr/>
-            </a:pPr>
-            <a:r>
-              <a:rPr lang="en-US" dirty="0" smtClean="0">
-                <a:ea typeface="+mn-ea"/>
-              </a:rPr>
-              <a:t>XCHG  BL, BH</a:t>
-            </a:r>
-          </a:p>
-          <a:p>
-            <a:pPr marL="0" indent="0">
-              <a:buFont typeface="Wingdings" pitchFamily="2" charset="2"/>
-              <a:buNone/>
-              <a:defRPr/>
-            </a:pPr>
-            <a:r>
-              <a:rPr lang="en-US" dirty="0" smtClean="0">
-                <a:ea typeface="+mn-ea"/>
-              </a:rPr>
-              <a:t>LEA	   EDX, [EAX+8]</a:t>
-            </a:r>
-          </a:p>
-          <a:p>
-            <a:pPr marL="0" indent="0">
-              <a:buFont typeface="Wingdings" pitchFamily="2" charset="2"/>
-              <a:buNone/>
-              <a:defRPr/>
-            </a:pPr>
-            <a:r>
-              <a:rPr lang="en-US" dirty="0" smtClean="0">
-                <a:ea typeface="+mn-ea"/>
-              </a:rPr>
-              <a:t>MOV	   ECX, [EDX-3]</a:t>
-            </a:r>
-            <a:endParaRPr lang="en-US" dirty="0">
-              <a:ea typeface="+mn-ea"/>
-            </a:endParaRPr>
-          </a:p>
-        </p:txBody>
-      </p:sp>
-      <p:sp>
-        <p:nvSpPr>
-          <p:cNvPr id="4" name="Date Placeholder 3"/>
-          <p:cNvSpPr>
-            <a:spLocks noGrp="1"/>
-          </p:cNvSpPr>
-          <p:nvPr>
-            <p:ph type="dt" sz="quarter" idx="10"/>
-          </p:nvPr>
-        </p:nvSpPr>
-        <p:spPr/>
-        <p:txBody>
-          <a:bodyPr/>
-          <a:lstStyle>
-            <a:lvl1pPr eaLnBrk="0" hangingPunct="0">
-              <a:defRPr>
-                <a:solidFill>
-                  <a:schemeClr val="tx1"/>
-                </a:solidFill>
-                <a:latin typeface="Arial" charset="0"/>
-                <a:ea typeface="ＭＳ Ｐゴシック" charset="0"/>
-                <a:cs typeface="Arial" charset="0"/>
-              </a:defRPr>
-            </a:lvl1pPr>
-            <a:lvl2pPr marL="742950" indent="-285750" eaLnBrk="0" hangingPunct="0">
-              <a:defRPr>
-                <a:solidFill>
-                  <a:schemeClr val="tx1"/>
-                </a:solidFill>
-                <a:latin typeface="Arial" charset="0"/>
-                <a:ea typeface="Arial" charset="0"/>
-                <a:cs typeface="Arial" charset="0"/>
-              </a:defRPr>
-            </a:lvl2pPr>
-            <a:lvl3pPr marL="1143000" indent="-228600" eaLnBrk="0" hangingPunct="0">
-              <a:defRPr>
-                <a:solidFill>
-                  <a:schemeClr val="tx1"/>
-                </a:solidFill>
-                <a:latin typeface="Arial" charset="0"/>
-                <a:ea typeface="Arial" charset="0"/>
-                <a:cs typeface="Arial" charset="0"/>
-              </a:defRPr>
-            </a:lvl3pPr>
-            <a:lvl4pPr marL="1600200" indent="-228600" eaLnBrk="0" hangingPunct="0">
-              <a:defRPr>
-                <a:solidFill>
-                  <a:schemeClr val="tx1"/>
-                </a:solidFill>
-                <a:latin typeface="Arial" charset="0"/>
-                <a:ea typeface="Arial" charset="0"/>
-                <a:cs typeface="Arial" charset="0"/>
-              </a:defRPr>
-            </a:lvl4pPr>
-            <a:lvl5pPr marL="2057400" indent="-228600" eaLnBrk="0" hangingPunct="0">
-              <a:defRPr>
-                <a:solidFill>
-                  <a:schemeClr val="tx1"/>
-                </a:solidFill>
-                <a:latin typeface="Arial" charset="0"/>
-                <a:ea typeface="Arial" charset="0"/>
-                <a:cs typeface="Arial" charset="0"/>
-              </a:defRPr>
-            </a:lvl5pPr>
-            <a:lvl6pPr marL="2514600" indent="-228600" eaLnBrk="0" fontAlgn="base" hangingPunct="0">
-              <a:spcBef>
-                <a:spcPct val="0"/>
-              </a:spcBef>
-              <a:spcAft>
-                <a:spcPct val="0"/>
-              </a:spcAft>
-              <a:defRPr>
-                <a:solidFill>
-                  <a:schemeClr val="tx1"/>
-                </a:solidFill>
-                <a:latin typeface="Arial" charset="0"/>
-                <a:ea typeface="Arial" charset="0"/>
-                <a:cs typeface="Arial" charset="0"/>
-              </a:defRPr>
-            </a:lvl6pPr>
-            <a:lvl7pPr marL="2971800" indent="-228600" eaLnBrk="0" fontAlgn="base" hangingPunct="0">
-              <a:spcBef>
-                <a:spcPct val="0"/>
-              </a:spcBef>
-              <a:spcAft>
-                <a:spcPct val="0"/>
-              </a:spcAft>
-              <a:defRPr>
-                <a:solidFill>
-                  <a:schemeClr val="tx1"/>
-                </a:solidFill>
-                <a:latin typeface="Arial" charset="0"/>
-                <a:ea typeface="Arial" charset="0"/>
-                <a:cs typeface="Arial" charset="0"/>
-              </a:defRPr>
-            </a:lvl7pPr>
-            <a:lvl8pPr marL="3429000" indent="-228600" eaLnBrk="0" fontAlgn="base" hangingPunct="0">
-              <a:spcBef>
-                <a:spcPct val="0"/>
-              </a:spcBef>
-              <a:spcAft>
-                <a:spcPct val="0"/>
-              </a:spcAft>
-              <a:defRPr>
-                <a:solidFill>
-                  <a:schemeClr val="tx1"/>
-                </a:solidFill>
-                <a:latin typeface="Arial" charset="0"/>
-                <a:ea typeface="Arial" charset="0"/>
-                <a:cs typeface="Arial" charset="0"/>
-              </a:defRPr>
-            </a:lvl8pPr>
-            <a:lvl9pPr marL="3886200" indent="-228600" eaLnBrk="0" fontAlgn="base" hangingPunct="0">
-              <a:spcBef>
-                <a:spcPct val="0"/>
-              </a:spcBef>
-              <a:spcAft>
-                <a:spcPct val="0"/>
-              </a:spcAft>
-              <a:defRPr>
-                <a:solidFill>
-                  <a:schemeClr val="tx1"/>
-                </a:solidFill>
-                <a:latin typeface="Arial" charset="0"/>
-                <a:ea typeface="Arial" charset="0"/>
-                <a:cs typeface="Arial" charset="0"/>
-              </a:defRPr>
-            </a:lvl9pPr>
-          </a:lstStyle>
-          <a:p>
-            <a:pPr eaLnBrk="1" hangingPunct="1"/>
-            <a:fld id="{ED552906-78B5-0744-9753-166B58A0A0C7}" type="datetime1">
-              <a:rPr lang="en-US">
-                <a:latin typeface="Garamond" charset="0"/>
-              </a:rPr>
-              <a:pPr eaLnBrk="1" hangingPunct="1"/>
-              <a:t>9/13/15</a:t>
-            </a:fld>
-            <a:endParaRPr lang="en-US">
-              <a:latin typeface="Garamond" charset="0"/>
-            </a:endParaRPr>
-          </a:p>
-        </p:txBody>
-      </p:sp>
-      <p:sp>
-        <p:nvSpPr>
-          <p:cNvPr id="5" name="Footer Placeholder 4"/>
-          <p:cNvSpPr>
-            <a:spLocks noGrp="1"/>
-          </p:cNvSpPr>
-          <p:nvPr>
-            <p:ph type="ftr" sz="quarter" idx="11"/>
-          </p:nvPr>
-        </p:nvSpPr>
-        <p:spPr/>
-        <p:txBody>
-          <a:bodyPr/>
-          <a:lstStyle/>
-          <a:p>
-            <a:pPr>
-              <a:defRPr/>
-            </a:pPr>
-            <a:r>
-              <a:rPr lang="en-US" altLang="en-US"/>
-              <a:t>Microprocessors I:  Lecture 5</a:t>
-            </a:r>
-          </a:p>
-        </p:txBody>
-      </p:sp>
-      <p:sp>
-        <p:nvSpPr>
-          <p:cNvPr id="6" name="Slide Number Placeholder 5"/>
-          <p:cNvSpPr>
-            <a:spLocks noGrp="1"/>
-          </p:cNvSpPr>
-          <p:nvPr>
-            <p:ph type="sldNum" sz="quarter" idx="12"/>
-          </p:nvPr>
-        </p:nvSpPr>
-        <p:spPr/>
-        <p:txBody>
-          <a:bodyPr/>
-          <a:lstStyle>
-            <a:lvl1pPr eaLnBrk="0" hangingPunct="0">
-              <a:defRPr>
-                <a:solidFill>
-                  <a:schemeClr val="tx1"/>
-                </a:solidFill>
-                <a:latin typeface="Arial" charset="0"/>
-                <a:ea typeface="ＭＳ Ｐゴシック" charset="0"/>
-                <a:cs typeface="Arial" charset="0"/>
-              </a:defRPr>
-            </a:lvl1pPr>
-            <a:lvl2pPr marL="742950" indent="-285750" eaLnBrk="0" hangingPunct="0">
-              <a:defRPr>
-                <a:solidFill>
-                  <a:schemeClr val="tx1"/>
-                </a:solidFill>
-                <a:latin typeface="Arial" charset="0"/>
-                <a:ea typeface="Arial" charset="0"/>
-                <a:cs typeface="Arial" charset="0"/>
-              </a:defRPr>
-            </a:lvl2pPr>
-            <a:lvl3pPr marL="1143000" indent="-228600" eaLnBrk="0" hangingPunct="0">
-              <a:defRPr>
-                <a:solidFill>
-                  <a:schemeClr val="tx1"/>
-                </a:solidFill>
-                <a:latin typeface="Arial" charset="0"/>
-                <a:ea typeface="Arial" charset="0"/>
-                <a:cs typeface="Arial" charset="0"/>
-              </a:defRPr>
-            </a:lvl3pPr>
-            <a:lvl4pPr marL="1600200" indent="-228600" eaLnBrk="0" hangingPunct="0">
-              <a:defRPr>
-                <a:solidFill>
-                  <a:schemeClr val="tx1"/>
-                </a:solidFill>
-                <a:latin typeface="Arial" charset="0"/>
-                <a:ea typeface="Arial" charset="0"/>
-                <a:cs typeface="Arial" charset="0"/>
-              </a:defRPr>
-            </a:lvl4pPr>
-            <a:lvl5pPr marL="2057400" indent="-228600" eaLnBrk="0" hangingPunct="0">
-              <a:defRPr>
-                <a:solidFill>
-                  <a:schemeClr val="tx1"/>
-                </a:solidFill>
-                <a:latin typeface="Arial" charset="0"/>
-                <a:ea typeface="Arial" charset="0"/>
-                <a:cs typeface="Arial" charset="0"/>
-              </a:defRPr>
-            </a:lvl5pPr>
-            <a:lvl6pPr marL="2514600" indent="-228600" eaLnBrk="0" fontAlgn="base" hangingPunct="0">
-              <a:spcBef>
-                <a:spcPct val="0"/>
-              </a:spcBef>
-              <a:spcAft>
-                <a:spcPct val="0"/>
-              </a:spcAft>
-              <a:defRPr>
-                <a:solidFill>
-                  <a:schemeClr val="tx1"/>
-                </a:solidFill>
-                <a:latin typeface="Arial" charset="0"/>
-                <a:ea typeface="Arial" charset="0"/>
-                <a:cs typeface="Arial" charset="0"/>
-              </a:defRPr>
-            </a:lvl6pPr>
-            <a:lvl7pPr marL="2971800" indent="-228600" eaLnBrk="0" fontAlgn="base" hangingPunct="0">
-              <a:spcBef>
-                <a:spcPct val="0"/>
-              </a:spcBef>
-              <a:spcAft>
-                <a:spcPct val="0"/>
-              </a:spcAft>
-              <a:defRPr>
-                <a:solidFill>
-                  <a:schemeClr val="tx1"/>
-                </a:solidFill>
-                <a:latin typeface="Arial" charset="0"/>
-                <a:ea typeface="Arial" charset="0"/>
-                <a:cs typeface="Arial" charset="0"/>
-              </a:defRPr>
-            </a:lvl7pPr>
-            <a:lvl8pPr marL="3429000" indent="-228600" eaLnBrk="0" fontAlgn="base" hangingPunct="0">
-              <a:spcBef>
-                <a:spcPct val="0"/>
-              </a:spcBef>
-              <a:spcAft>
-                <a:spcPct val="0"/>
-              </a:spcAft>
-              <a:defRPr>
-                <a:solidFill>
-                  <a:schemeClr val="tx1"/>
-                </a:solidFill>
-                <a:latin typeface="Arial" charset="0"/>
-                <a:ea typeface="Arial" charset="0"/>
-                <a:cs typeface="Arial" charset="0"/>
-              </a:defRPr>
-            </a:lvl8pPr>
-            <a:lvl9pPr marL="3886200" indent="-228600" eaLnBrk="0" fontAlgn="base" hangingPunct="0">
-              <a:spcBef>
-                <a:spcPct val="0"/>
-              </a:spcBef>
-              <a:spcAft>
-                <a:spcPct val="0"/>
-              </a:spcAft>
-              <a:defRPr>
-                <a:solidFill>
-                  <a:schemeClr val="tx1"/>
-                </a:solidFill>
-                <a:latin typeface="Arial" charset="0"/>
-                <a:ea typeface="Arial" charset="0"/>
-                <a:cs typeface="Arial" charset="0"/>
-              </a:defRPr>
-            </a:lvl9pPr>
-          </a:lstStyle>
-          <a:p>
-            <a:pPr eaLnBrk="1" hangingPunct="1"/>
-            <a:fld id="{CCBD5F35-D87C-674D-975D-7C8B21E0BDFD}" type="slidenum">
-              <a:rPr lang="en-US">
-                <a:latin typeface="Garamond" charset="0"/>
-              </a:rPr>
-              <a:pPr eaLnBrk="1" hangingPunct="1"/>
-              <a:t>17</a:t>
-            </a:fld>
-            <a:endParaRPr lang="en-US">
-              <a:latin typeface="Garamond" charset="0"/>
-            </a:endParaRPr>
-          </a:p>
-        </p:txBody>
-      </p:sp>
-    </p:spTree>
-    <p:extLst>
-      <p:ext uri="{BB962C8B-B14F-4D97-AF65-F5344CB8AC3E}">
-        <p14:creationId xmlns:p14="http://schemas.microsoft.com/office/powerpoint/2010/main" val="1998007702"/>
-      </p:ext>
-    </p:extLst>
-  </p:cSld>
-  <p:clrMapOvr>
-    <a:masterClrMapping/>
-  </p:clrMapOvr>
-  <p:timing>
-    <p:tnLst>
-      <p:par>
-        <p:cTn xmlns:p14="http://schemas.microsoft.com/office/powerpoint/2010/main" id="1" dur="indefinite" restart="never" nodeType="tmRoot"/>
-      </p:par>
-    </p:tnLst>
-  </p:timing>
-</p:sld>
-</file>
-
-<file path=ppt/slides/slide18.xml><?xml version="1.0" encoding="utf-8"?>
-<p:sld xmlns:a="http://schemas.openxmlformats.org/drawingml/2006/main" xmlns:r="http://schemas.openxmlformats.org/officeDocument/2006/relationships" xmlns:p="http://schemas.openxmlformats.org/presentationml/2006/main">
-  <p:cSld>
-    <p:spTree>
-      <p:nvGrpSpPr>
-        <p:cNvPr id="1" name=""/>
-        <p:cNvGrpSpPr/>
-        <p:nvPr/>
-      </p:nvGrpSpPr>
-      <p:grpSpPr>
-        <a:xfrm>
-          <a:off x="0" y="0"/>
-          <a:ext cx="0" cy="0"/>
-          <a:chOff x="0" y="0"/>
-          <a:chExt cx="0" cy="0"/>
-        </a:xfrm>
-      </p:grpSpPr>
-      <p:sp>
-        <p:nvSpPr>
-          <p:cNvPr id="12290" name="Title 1"/>
-          <p:cNvSpPr>
-            <a:spLocks noGrp="1"/>
-          </p:cNvSpPr>
-          <p:nvPr>
-            <p:ph type="title"/>
-          </p:nvPr>
-        </p:nvSpPr>
-        <p:spPr/>
-        <p:txBody>
-          <a:bodyPr/>
-          <a:lstStyle/>
-          <a:p>
-            <a:r>
-              <a:rPr lang="en-US">
-                <a:latin typeface="Garamond" charset="0"/>
-              </a:rPr>
-              <a:t>Solution</a:t>
-            </a:r>
-          </a:p>
-        </p:txBody>
-      </p:sp>
-      <p:sp>
-        <p:nvSpPr>
-          <p:cNvPr id="10" name="Content Placeholder 9"/>
-          <p:cNvSpPr>
-            <a:spLocks noGrp="1"/>
-          </p:cNvSpPr>
-          <p:nvPr>
-            <p:ph idx="1"/>
-          </p:nvPr>
-        </p:nvSpPr>
-        <p:spPr/>
-        <p:txBody>
-          <a:bodyPr>
-            <a:normAutofit fontScale="92500" lnSpcReduction="10000"/>
-          </a:bodyPr>
-          <a:lstStyle/>
-          <a:p>
-            <a:pPr marL="0" indent="0">
-              <a:buFont typeface="Wingdings" pitchFamily="2" charset="2"/>
-              <a:buNone/>
-              <a:defRPr/>
-            </a:pPr>
-            <a:r>
-              <a:rPr lang="en-US" dirty="0" smtClean="0">
-                <a:ea typeface="+mn-ea"/>
-              </a:rPr>
-              <a:t>MOV    EAX, 528000h</a:t>
-            </a:r>
-          </a:p>
-          <a:p>
-            <a:pPr marL="0" indent="0">
-              <a:buFont typeface="Wingdings" pitchFamily="2" charset="2"/>
-              <a:buNone/>
-              <a:defRPr/>
-            </a:pPr>
-            <a:r>
-              <a:rPr lang="en-US" dirty="0" smtClean="0">
-                <a:solidFill>
-                  <a:srgbClr val="FF0000"/>
-                </a:solidFill>
-                <a:ea typeface="+mn-ea"/>
-              </a:rPr>
-              <a:t>	EAX = 528000h</a:t>
-            </a:r>
-          </a:p>
-          <a:p>
-            <a:pPr marL="0" indent="0">
-              <a:buFont typeface="Wingdings" pitchFamily="2" charset="2"/>
-              <a:buNone/>
-              <a:defRPr/>
-            </a:pPr>
-            <a:r>
-              <a:rPr lang="en-US" dirty="0" smtClean="0">
-                <a:ea typeface="+mn-ea"/>
-              </a:rPr>
-              <a:t>MOV</a:t>
-            </a:r>
-            <a:r>
-              <a:rPr lang="en-US" dirty="0">
-                <a:ea typeface="+mn-ea"/>
-              </a:rPr>
-              <a:t> </a:t>
-            </a:r>
-            <a:r>
-              <a:rPr lang="en-US" dirty="0" smtClean="0">
-                <a:ea typeface="+mn-ea"/>
-              </a:rPr>
-              <a:t>   EBX, [EAX+2]</a:t>
-            </a:r>
-          </a:p>
-          <a:p>
-            <a:pPr marL="0" indent="0">
-              <a:buFont typeface="Wingdings" pitchFamily="2" charset="2"/>
-              <a:buNone/>
-              <a:defRPr/>
-            </a:pPr>
-            <a:r>
-              <a:rPr lang="en-US" dirty="0">
-                <a:ea typeface="+mn-ea"/>
-              </a:rPr>
-              <a:t>	</a:t>
-            </a:r>
-            <a:r>
-              <a:rPr lang="en-US" dirty="0" smtClean="0">
-                <a:solidFill>
-                  <a:srgbClr val="FF0000"/>
-                </a:solidFill>
-                <a:ea typeface="+mn-ea"/>
-              </a:rPr>
-              <a:t>EBX = DWORD at 528002h = FFB2A331h</a:t>
-            </a:r>
-            <a:endParaRPr lang="en-US" dirty="0" smtClean="0">
-              <a:ea typeface="+mn-ea"/>
-            </a:endParaRPr>
-          </a:p>
-          <a:p>
-            <a:pPr marL="0" indent="0">
-              <a:buFont typeface="Wingdings" pitchFamily="2" charset="2"/>
-              <a:buNone/>
-              <a:defRPr/>
-            </a:pPr>
-            <a:r>
-              <a:rPr lang="en-US" dirty="0" smtClean="0">
-                <a:ea typeface="+mn-ea"/>
-              </a:rPr>
-              <a:t>XCHG  BL, BH</a:t>
-            </a:r>
-          </a:p>
-          <a:p>
-            <a:pPr marL="0" indent="0">
-              <a:buFont typeface="Wingdings" pitchFamily="2" charset="2"/>
-              <a:buNone/>
-              <a:defRPr/>
-            </a:pPr>
-            <a:r>
-              <a:rPr lang="en-US" dirty="0">
-                <a:ea typeface="+mn-ea"/>
-              </a:rPr>
-              <a:t>	</a:t>
-            </a:r>
-            <a:r>
-              <a:rPr lang="en-US" dirty="0" smtClean="0">
-                <a:solidFill>
-                  <a:srgbClr val="FF0000"/>
-                </a:solidFill>
-                <a:ea typeface="+mn-ea"/>
-              </a:rPr>
-              <a:t>Swap BL and BH </a:t>
-            </a:r>
-            <a:r>
-              <a:rPr lang="en-US" dirty="0" smtClean="0">
-                <a:solidFill>
-                  <a:srgbClr val="FF0000"/>
-                </a:solidFill>
-                <a:ea typeface="+mn-ea"/>
-                <a:sym typeface="Wingdings" pitchFamily="2" charset="2"/>
-              </a:rPr>
-              <a:t> EBX = FFB2</a:t>
-            </a:r>
-            <a:r>
-              <a:rPr lang="en-US" u="sng" dirty="0" smtClean="0">
-                <a:solidFill>
-                  <a:srgbClr val="FF0000"/>
-                </a:solidFill>
-                <a:ea typeface="+mn-ea"/>
-                <a:sym typeface="Wingdings" pitchFamily="2" charset="2"/>
-              </a:rPr>
-              <a:t>31A3</a:t>
-            </a:r>
-            <a:r>
-              <a:rPr lang="en-US" dirty="0" smtClean="0">
-                <a:solidFill>
-                  <a:srgbClr val="FF0000"/>
-                </a:solidFill>
-                <a:ea typeface="+mn-ea"/>
-                <a:sym typeface="Wingdings" pitchFamily="2" charset="2"/>
-              </a:rPr>
-              <a:t>h</a:t>
-            </a:r>
-            <a:endParaRPr lang="en-US" dirty="0" smtClean="0">
-              <a:ea typeface="+mn-ea"/>
-            </a:endParaRPr>
-          </a:p>
-          <a:p>
-            <a:pPr marL="0" indent="0">
-              <a:buFont typeface="Wingdings" pitchFamily="2" charset="2"/>
-              <a:buNone/>
-              <a:defRPr/>
-            </a:pPr>
-            <a:r>
-              <a:rPr lang="en-US" dirty="0" smtClean="0">
-                <a:ea typeface="+mn-ea"/>
-              </a:rPr>
-              <a:t>LEA	   EDX, [EAX+8]</a:t>
-            </a:r>
-          </a:p>
-          <a:p>
-            <a:pPr marL="0" indent="0">
-              <a:buFont typeface="Wingdings" pitchFamily="2" charset="2"/>
-              <a:buNone/>
-              <a:defRPr/>
-            </a:pPr>
-            <a:r>
-              <a:rPr lang="en-US" dirty="0">
-                <a:ea typeface="+mn-ea"/>
-              </a:rPr>
-              <a:t>	</a:t>
-            </a:r>
-            <a:r>
-              <a:rPr lang="en-US" dirty="0" smtClean="0">
-                <a:solidFill>
-                  <a:srgbClr val="FF0000"/>
-                </a:solidFill>
-                <a:ea typeface="+mn-ea"/>
-              </a:rPr>
-              <a:t>EDX = EAX+8 = 528008h</a:t>
-            </a:r>
-            <a:endParaRPr lang="en-US" dirty="0" smtClean="0">
-              <a:ea typeface="+mn-ea"/>
-            </a:endParaRPr>
-          </a:p>
-          <a:p>
-            <a:pPr marL="0" indent="0">
-              <a:buFont typeface="Wingdings" pitchFamily="2" charset="2"/>
-              <a:buNone/>
-              <a:defRPr/>
-            </a:pPr>
-            <a:r>
-              <a:rPr lang="en-US" dirty="0" smtClean="0">
-                <a:ea typeface="+mn-ea"/>
-              </a:rPr>
-              <a:t>MOV	   ECX, [EDX-3]</a:t>
-            </a:r>
-          </a:p>
-          <a:p>
-            <a:pPr marL="0" indent="0">
-              <a:buFont typeface="Wingdings" pitchFamily="2" charset="2"/>
-              <a:buNone/>
-              <a:defRPr/>
-            </a:pPr>
-            <a:r>
-              <a:rPr lang="en-US" dirty="0">
-                <a:ea typeface="+mn-ea"/>
-              </a:rPr>
-              <a:t>	</a:t>
-            </a:r>
-            <a:r>
-              <a:rPr lang="en-US" dirty="0" smtClean="0">
-                <a:solidFill>
-                  <a:srgbClr val="FF0000"/>
-                </a:solidFill>
-                <a:ea typeface="+mn-ea"/>
-              </a:rPr>
-              <a:t>ECX = DWORD at 528005h = 077D0FFFh</a:t>
-            </a:r>
-            <a:endParaRPr lang="en-US" dirty="0">
-              <a:ea typeface="+mn-ea"/>
-            </a:endParaRPr>
-          </a:p>
-        </p:txBody>
-      </p:sp>
-      <p:sp>
-        <p:nvSpPr>
-          <p:cNvPr id="4" name="Date Placeholder 3"/>
-          <p:cNvSpPr>
-            <a:spLocks noGrp="1"/>
-          </p:cNvSpPr>
-          <p:nvPr>
-            <p:ph type="dt" sz="quarter" idx="10"/>
-          </p:nvPr>
-        </p:nvSpPr>
-        <p:spPr/>
-        <p:txBody>
-          <a:bodyPr/>
-          <a:lstStyle>
-            <a:lvl1pPr eaLnBrk="0" hangingPunct="0">
-              <a:defRPr>
-                <a:solidFill>
-                  <a:schemeClr val="tx1"/>
-                </a:solidFill>
-                <a:latin typeface="Arial" charset="0"/>
-                <a:ea typeface="ＭＳ Ｐゴシック" charset="0"/>
-                <a:cs typeface="Arial" charset="0"/>
-              </a:defRPr>
-            </a:lvl1pPr>
-            <a:lvl2pPr marL="742950" indent="-285750" eaLnBrk="0" hangingPunct="0">
-              <a:defRPr>
-                <a:solidFill>
-                  <a:schemeClr val="tx1"/>
-                </a:solidFill>
-                <a:latin typeface="Arial" charset="0"/>
-                <a:ea typeface="Arial" charset="0"/>
-                <a:cs typeface="Arial" charset="0"/>
-              </a:defRPr>
-            </a:lvl2pPr>
-            <a:lvl3pPr marL="1143000" indent="-228600" eaLnBrk="0" hangingPunct="0">
-              <a:defRPr>
-                <a:solidFill>
-                  <a:schemeClr val="tx1"/>
-                </a:solidFill>
-                <a:latin typeface="Arial" charset="0"/>
-                <a:ea typeface="Arial" charset="0"/>
-                <a:cs typeface="Arial" charset="0"/>
-              </a:defRPr>
-            </a:lvl3pPr>
-            <a:lvl4pPr marL="1600200" indent="-228600" eaLnBrk="0" hangingPunct="0">
-              <a:defRPr>
-                <a:solidFill>
-                  <a:schemeClr val="tx1"/>
-                </a:solidFill>
-                <a:latin typeface="Arial" charset="0"/>
-                <a:ea typeface="Arial" charset="0"/>
-                <a:cs typeface="Arial" charset="0"/>
-              </a:defRPr>
-            </a:lvl4pPr>
-            <a:lvl5pPr marL="2057400" indent="-228600" eaLnBrk="0" hangingPunct="0">
-              <a:defRPr>
-                <a:solidFill>
-                  <a:schemeClr val="tx1"/>
-                </a:solidFill>
-                <a:latin typeface="Arial" charset="0"/>
-                <a:ea typeface="Arial" charset="0"/>
-                <a:cs typeface="Arial" charset="0"/>
-              </a:defRPr>
-            </a:lvl5pPr>
-            <a:lvl6pPr marL="2514600" indent="-228600" eaLnBrk="0" fontAlgn="base" hangingPunct="0">
-              <a:spcBef>
-                <a:spcPct val="0"/>
-              </a:spcBef>
-              <a:spcAft>
-                <a:spcPct val="0"/>
-              </a:spcAft>
-              <a:defRPr>
-                <a:solidFill>
-                  <a:schemeClr val="tx1"/>
-                </a:solidFill>
-                <a:latin typeface="Arial" charset="0"/>
-                <a:ea typeface="Arial" charset="0"/>
-                <a:cs typeface="Arial" charset="0"/>
-              </a:defRPr>
-            </a:lvl6pPr>
-            <a:lvl7pPr marL="2971800" indent="-228600" eaLnBrk="0" fontAlgn="base" hangingPunct="0">
-              <a:spcBef>
-                <a:spcPct val="0"/>
-              </a:spcBef>
-              <a:spcAft>
-                <a:spcPct val="0"/>
-              </a:spcAft>
-              <a:defRPr>
-                <a:solidFill>
-                  <a:schemeClr val="tx1"/>
-                </a:solidFill>
-                <a:latin typeface="Arial" charset="0"/>
-                <a:ea typeface="Arial" charset="0"/>
-                <a:cs typeface="Arial" charset="0"/>
-              </a:defRPr>
-            </a:lvl7pPr>
-            <a:lvl8pPr marL="3429000" indent="-228600" eaLnBrk="0" fontAlgn="base" hangingPunct="0">
-              <a:spcBef>
-                <a:spcPct val="0"/>
-              </a:spcBef>
-              <a:spcAft>
-                <a:spcPct val="0"/>
-              </a:spcAft>
-              <a:defRPr>
-                <a:solidFill>
-                  <a:schemeClr val="tx1"/>
-                </a:solidFill>
-                <a:latin typeface="Arial" charset="0"/>
-                <a:ea typeface="Arial" charset="0"/>
-                <a:cs typeface="Arial" charset="0"/>
-              </a:defRPr>
-            </a:lvl8pPr>
-            <a:lvl9pPr marL="3886200" indent="-228600" eaLnBrk="0" fontAlgn="base" hangingPunct="0">
-              <a:spcBef>
-                <a:spcPct val="0"/>
-              </a:spcBef>
-              <a:spcAft>
-                <a:spcPct val="0"/>
-              </a:spcAft>
-              <a:defRPr>
-                <a:solidFill>
-                  <a:schemeClr val="tx1"/>
-                </a:solidFill>
-                <a:latin typeface="Arial" charset="0"/>
-                <a:ea typeface="Arial" charset="0"/>
-                <a:cs typeface="Arial" charset="0"/>
-              </a:defRPr>
-            </a:lvl9pPr>
-          </a:lstStyle>
-          <a:p>
-            <a:pPr eaLnBrk="1" hangingPunct="1"/>
-            <a:fld id="{188B857A-DBD4-D74E-8A2E-C0AF6E0E5B6E}" type="datetime1">
-              <a:rPr lang="en-US">
-                <a:latin typeface="Garamond" charset="0"/>
-              </a:rPr>
-              <a:pPr eaLnBrk="1" hangingPunct="1"/>
-              <a:t>9/13/15</a:t>
-            </a:fld>
-            <a:endParaRPr lang="en-US">
-              <a:latin typeface="Garamond" charset="0"/>
-            </a:endParaRPr>
-          </a:p>
-        </p:txBody>
-      </p:sp>
-      <p:sp>
-        <p:nvSpPr>
-          <p:cNvPr id="5" name="Footer Placeholder 4"/>
-          <p:cNvSpPr>
-            <a:spLocks noGrp="1"/>
-          </p:cNvSpPr>
-          <p:nvPr>
-            <p:ph type="ftr" sz="quarter" idx="11"/>
-          </p:nvPr>
-        </p:nvSpPr>
-        <p:spPr/>
-        <p:txBody>
-          <a:bodyPr/>
-          <a:lstStyle/>
-          <a:p>
-            <a:pPr>
-              <a:defRPr/>
-            </a:pPr>
-            <a:r>
-              <a:rPr lang="en-US" altLang="en-US"/>
-              <a:t>Microprocessors I:  Lecture 5</a:t>
-            </a:r>
-          </a:p>
-        </p:txBody>
-      </p:sp>
-      <p:sp>
-        <p:nvSpPr>
-          <p:cNvPr id="6" name="Slide Number Placeholder 5"/>
-          <p:cNvSpPr>
-            <a:spLocks noGrp="1"/>
-          </p:cNvSpPr>
-          <p:nvPr>
-            <p:ph type="sldNum" sz="quarter" idx="12"/>
-          </p:nvPr>
-        </p:nvSpPr>
-        <p:spPr/>
-        <p:txBody>
-          <a:bodyPr/>
-          <a:lstStyle>
-            <a:lvl1pPr eaLnBrk="0" hangingPunct="0">
-              <a:defRPr>
-                <a:solidFill>
-                  <a:schemeClr val="tx1"/>
-                </a:solidFill>
-                <a:latin typeface="Arial" charset="0"/>
-                <a:ea typeface="ＭＳ Ｐゴシック" charset="0"/>
-                <a:cs typeface="Arial" charset="0"/>
-              </a:defRPr>
-            </a:lvl1pPr>
-            <a:lvl2pPr marL="742950" indent="-285750" eaLnBrk="0" hangingPunct="0">
-              <a:defRPr>
-                <a:solidFill>
-                  <a:schemeClr val="tx1"/>
-                </a:solidFill>
-                <a:latin typeface="Arial" charset="0"/>
-                <a:ea typeface="Arial" charset="0"/>
-                <a:cs typeface="Arial" charset="0"/>
-              </a:defRPr>
-            </a:lvl2pPr>
-            <a:lvl3pPr marL="1143000" indent="-228600" eaLnBrk="0" hangingPunct="0">
-              <a:defRPr>
-                <a:solidFill>
-                  <a:schemeClr val="tx1"/>
-                </a:solidFill>
-                <a:latin typeface="Arial" charset="0"/>
-                <a:ea typeface="Arial" charset="0"/>
-                <a:cs typeface="Arial" charset="0"/>
-              </a:defRPr>
-            </a:lvl3pPr>
-            <a:lvl4pPr marL="1600200" indent="-228600" eaLnBrk="0" hangingPunct="0">
-              <a:defRPr>
-                <a:solidFill>
-                  <a:schemeClr val="tx1"/>
-                </a:solidFill>
-                <a:latin typeface="Arial" charset="0"/>
-                <a:ea typeface="Arial" charset="0"/>
-                <a:cs typeface="Arial" charset="0"/>
-              </a:defRPr>
-            </a:lvl4pPr>
-            <a:lvl5pPr marL="2057400" indent="-228600" eaLnBrk="0" hangingPunct="0">
-              <a:defRPr>
-                <a:solidFill>
-                  <a:schemeClr val="tx1"/>
-                </a:solidFill>
-                <a:latin typeface="Arial" charset="0"/>
-                <a:ea typeface="Arial" charset="0"/>
-                <a:cs typeface="Arial" charset="0"/>
-              </a:defRPr>
-            </a:lvl5pPr>
-            <a:lvl6pPr marL="2514600" indent="-228600" eaLnBrk="0" fontAlgn="base" hangingPunct="0">
-              <a:spcBef>
-                <a:spcPct val="0"/>
-              </a:spcBef>
-              <a:spcAft>
-                <a:spcPct val="0"/>
-              </a:spcAft>
-              <a:defRPr>
-                <a:solidFill>
-                  <a:schemeClr val="tx1"/>
-                </a:solidFill>
-                <a:latin typeface="Arial" charset="0"/>
-                <a:ea typeface="Arial" charset="0"/>
-                <a:cs typeface="Arial" charset="0"/>
-              </a:defRPr>
-            </a:lvl6pPr>
-            <a:lvl7pPr marL="2971800" indent="-228600" eaLnBrk="0" fontAlgn="base" hangingPunct="0">
-              <a:spcBef>
-                <a:spcPct val="0"/>
-              </a:spcBef>
-              <a:spcAft>
-                <a:spcPct val="0"/>
-              </a:spcAft>
-              <a:defRPr>
-                <a:solidFill>
-                  <a:schemeClr val="tx1"/>
-                </a:solidFill>
-                <a:latin typeface="Arial" charset="0"/>
-                <a:ea typeface="Arial" charset="0"/>
-                <a:cs typeface="Arial" charset="0"/>
-              </a:defRPr>
-            </a:lvl7pPr>
-            <a:lvl8pPr marL="3429000" indent="-228600" eaLnBrk="0" fontAlgn="base" hangingPunct="0">
-              <a:spcBef>
-                <a:spcPct val="0"/>
-              </a:spcBef>
-              <a:spcAft>
-                <a:spcPct val="0"/>
-              </a:spcAft>
-              <a:defRPr>
-                <a:solidFill>
-                  <a:schemeClr val="tx1"/>
-                </a:solidFill>
-                <a:latin typeface="Arial" charset="0"/>
-                <a:ea typeface="Arial" charset="0"/>
-                <a:cs typeface="Arial" charset="0"/>
-              </a:defRPr>
-            </a:lvl8pPr>
-            <a:lvl9pPr marL="3886200" indent="-228600" eaLnBrk="0" fontAlgn="base" hangingPunct="0">
-              <a:spcBef>
-                <a:spcPct val="0"/>
-              </a:spcBef>
-              <a:spcAft>
-                <a:spcPct val="0"/>
-              </a:spcAft>
-              <a:defRPr>
-                <a:solidFill>
-                  <a:schemeClr val="tx1"/>
-                </a:solidFill>
-                <a:latin typeface="Arial" charset="0"/>
-                <a:ea typeface="Arial" charset="0"/>
-                <a:cs typeface="Arial" charset="0"/>
-              </a:defRPr>
-            </a:lvl9pPr>
-          </a:lstStyle>
-          <a:p>
-            <a:pPr eaLnBrk="1" hangingPunct="1"/>
-            <a:fld id="{D6DCD259-CB6C-4145-884D-946C3627EC10}" type="slidenum">
-              <a:rPr lang="en-US">
-                <a:latin typeface="Garamond" charset="0"/>
-              </a:rPr>
-              <a:pPr eaLnBrk="1" hangingPunct="1"/>
-              <a:t>18</a:t>
-            </a:fld>
-            <a:endParaRPr lang="en-US">
-              <a:latin typeface="Garamond" charset="0"/>
-            </a:endParaRPr>
-          </a:p>
-        </p:txBody>
-      </p:sp>
-    </p:spTree>
-    <p:extLst>
-      <p:ext uri="{BB962C8B-B14F-4D97-AF65-F5344CB8AC3E}">
-        <p14:creationId xmlns:p14="http://schemas.microsoft.com/office/powerpoint/2010/main" val="424669809"/>
-      </p:ext>
-    </p:extLst>
-  </p:cSld>
-  <p:clrMapOvr>
-    <a:masterClrMapping/>
-  </p:clrMapOvr>
-  <p:timing>
-    <p:tnLst>
-      <p:par>
-        <p:cTn xmlns:p14="http://schemas.microsoft.com/office/powerpoint/2010/main" id="1" dur="indefinite" restart="never" nodeType="tmRoot"/>
-      </p:par>
-    </p:tnLst>
-  </p:timing>
-</p:sld>
-</file>
-
-<file path=ppt/slides/slide19.xml><?xml version="1.0" encoding="utf-8"?>
-<p:sld xmlns:a="http://schemas.openxmlformats.org/drawingml/2006/main" xmlns:r="http://schemas.openxmlformats.org/officeDocument/2006/relationships" xmlns:p="http://schemas.openxmlformats.org/presentationml/2006/main">
-  <p:cSld>
-    <p:spTree>
-      <p:nvGrpSpPr>
-        <p:cNvPr id="1" name=""/>
-        <p:cNvGrpSpPr/>
-        <p:nvPr/>
-      </p:nvGrpSpPr>
-      <p:grpSpPr>
-        <a:xfrm>
-          <a:off x="0" y="0"/>
-          <a:ext cx="0" cy="0"/>
-          <a:chOff x="0" y="0"/>
-          <a:chExt cx="0" cy="0"/>
-        </a:xfrm>
-      </p:grpSpPr>
-      <p:sp>
-        <p:nvSpPr>
-          <p:cNvPr id="19458" name="Title 1"/>
-          <p:cNvSpPr>
-            <a:spLocks noGrp="1"/>
-          </p:cNvSpPr>
-          <p:nvPr>
-            <p:ph type="title"/>
-          </p:nvPr>
-        </p:nvSpPr>
-        <p:spPr/>
-        <p:txBody>
-          <a:bodyPr/>
-          <a:lstStyle/>
-          <a:p>
-            <a:r>
-              <a:rPr lang="en-US">
-                <a:latin typeface="Garamond" charset="0"/>
-              </a:rPr>
-              <a:t>Final notes</a:t>
-            </a:r>
-          </a:p>
-        </p:txBody>
-      </p:sp>
-      <p:sp>
-        <p:nvSpPr>
-          <p:cNvPr id="19459" name="Content Placeholder 2"/>
-          <p:cNvSpPr>
-            <a:spLocks noGrp="1"/>
-          </p:cNvSpPr>
-          <p:nvPr>
-            <p:ph idx="1"/>
-          </p:nvPr>
-        </p:nvSpPr>
-        <p:spPr/>
-        <p:txBody>
-          <a:bodyPr/>
-          <a:lstStyle/>
-          <a:p>
-            <a:r>
-              <a:rPr lang="en-US" dirty="0">
-                <a:latin typeface="Arial" charset="0"/>
-              </a:rPr>
-              <a:t>Next time:</a:t>
-            </a:r>
-          </a:p>
-          <a:p>
-            <a:pPr lvl="1"/>
-            <a:r>
-              <a:rPr lang="en-US" dirty="0">
-                <a:latin typeface="Arial" charset="0"/>
-              </a:rPr>
-              <a:t>Finish data transfer instructions</a:t>
-            </a:r>
-          </a:p>
-          <a:p>
-            <a:pPr lvl="1"/>
-            <a:r>
-              <a:rPr lang="en-US" dirty="0">
-                <a:latin typeface="Arial" charset="0"/>
-              </a:rPr>
-              <a:t>Arithmetic instructions</a:t>
-            </a:r>
-          </a:p>
-          <a:p>
-            <a:r>
-              <a:rPr lang="en-US" dirty="0">
-                <a:latin typeface="Arial" charset="0"/>
-              </a:rPr>
-              <a:t>Reminders:</a:t>
-            </a:r>
-          </a:p>
-          <a:p>
-            <a:pPr lvl="1"/>
-            <a:r>
-              <a:rPr lang="en-US" dirty="0" smtClean="0">
-                <a:latin typeface="Arial" charset="0"/>
-              </a:rPr>
-              <a:t>HW </a:t>
-            </a:r>
-            <a:r>
-              <a:rPr lang="en-US" dirty="0">
-                <a:latin typeface="Arial" charset="0"/>
-              </a:rPr>
-              <a:t>1 </a:t>
-            </a:r>
-            <a:r>
-              <a:rPr lang="en-US" dirty="0" smtClean="0">
-                <a:latin typeface="Arial" charset="0"/>
-              </a:rPr>
-              <a:t>due </a:t>
-            </a:r>
-            <a:r>
-              <a:rPr lang="en-US" dirty="0" smtClean="0">
-                <a:latin typeface="Arial" charset="0"/>
-              </a:rPr>
-              <a:t>2:00 PM, 9/18</a:t>
-            </a:r>
-            <a:endParaRPr lang="en-US" dirty="0">
-              <a:latin typeface="Arial" charset="0"/>
-            </a:endParaRPr>
-          </a:p>
-          <a:p>
-            <a:pPr lvl="1"/>
-            <a:endParaRPr lang="en-US" dirty="0">
-              <a:latin typeface="Arial" charset="0"/>
-            </a:endParaRPr>
-          </a:p>
-        </p:txBody>
-      </p:sp>
-      <p:sp>
-        <p:nvSpPr>
-          <p:cNvPr id="4" name="Date Placeholder 3"/>
-          <p:cNvSpPr>
-            <a:spLocks noGrp="1"/>
-          </p:cNvSpPr>
-          <p:nvPr>
-            <p:ph type="dt" sz="quarter" idx="10"/>
-          </p:nvPr>
-        </p:nvSpPr>
-        <p:spPr/>
-        <p:txBody>
-          <a:bodyPr/>
-          <a:lstStyle>
-            <a:lvl1pPr eaLnBrk="0" hangingPunct="0">
-              <a:defRPr>
-                <a:solidFill>
-                  <a:schemeClr val="tx1"/>
-                </a:solidFill>
-                <a:latin typeface="Arial" charset="0"/>
-                <a:ea typeface="ＭＳ Ｐゴシック" charset="0"/>
-                <a:cs typeface="Arial" charset="0"/>
-              </a:defRPr>
-            </a:lvl1pPr>
-            <a:lvl2pPr marL="742950" indent="-285750" eaLnBrk="0" hangingPunct="0">
-              <a:defRPr>
-                <a:solidFill>
-                  <a:schemeClr val="tx1"/>
-                </a:solidFill>
-                <a:latin typeface="Arial" charset="0"/>
-                <a:ea typeface="Arial" charset="0"/>
-                <a:cs typeface="Arial" charset="0"/>
-              </a:defRPr>
-            </a:lvl2pPr>
-            <a:lvl3pPr marL="1143000" indent="-228600" eaLnBrk="0" hangingPunct="0">
-              <a:defRPr>
-                <a:solidFill>
-                  <a:schemeClr val="tx1"/>
-                </a:solidFill>
-                <a:latin typeface="Arial" charset="0"/>
-                <a:ea typeface="Arial" charset="0"/>
-                <a:cs typeface="Arial" charset="0"/>
-              </a:defRPr>
-            </a:lvl3pPr>
-            <a:lvl4pPr marL="1600200" indent="-228600" eaLnBrk="0" hangingPunct="0">
-              <a:defRPr>
-                <a:solidFill>
-                  <a:schemeClr val="tx1"/>
-                </a:solidFill>
-                <a:latin typeface="Arial" charset="0"/>
-                <a:ea typeface="Arial" charset="0"/>
-                <a:cs typeface="Arial" charset="0"/>
-              </a:defRPr>
-            </a:lvl4pPr>
-            <a:lvl5pPr marL="2057400" indent="-228600" eaLnBrk="0" hangingPunct="0">
-              <a:defRPr>
-                <a:solidFill>
-                  <a:schemeClr val="tx1"/>
-                </a:solidFill>
-                <a:latin typeface="Arial" charset="0"/>
-                <a:ea typeface="Arial" charset="0"/>
-                <a:cs typeface="Arial" charset="0"/>
-              </a:defRPr>
-            </a:lvl5pPr>
-            <a:lvl6pPr marL="2514600" indent="-228600" eaLnBrk="0" fontAlgn="base" hangingPunct="0">
-              <a:spcBef>
-                <a:spcPct val="0"/>
-              </a:spcBef>
-              <a:spcAft>
-                <a:spcPct val="0"/>
-              </a:spcAft>
-              <a:defRPr>
-                <a:solidFill>
-                  <a:schemeClr val="tx1"/>
-                </a:solidFill>
-                <a:latin typeface="Arial" charset="0"/>
-                <a:ea typeface="Arial" charset="0"/>
-                <a:cs typeface="Arial" charset="0"/>
-              </a:defRPr>
-            </a:lvl6pPr>
-            <a:lvl7pPr marL="2971800" indent="-228600" eaLnBrk="0" fontAlgn="base" hangingPunct="0">
-              <a:spcBef>
-                <a:spcPct val="0"/>
-              </a:spcBef>
-              <a:spcAft>
-                <a:spcPct val="0"/>
-              </a:spcAft>
-              <a:defRPr>
-                <a:solidFill>
-                  <a:schemeClr val="tx1"/>
-                </a:solidFill>
-                <a:latin typeface="Arial" charset="0"/>
-                <a:ea typeface="Arial" charset="0"/>
-                <a:cs typeface="Arial" charset="0"/>
-              </a:defRPr>
-            </a:lvl7pPr>
-            <a:lvl8pPr marL="3429000" indent="-228600" eaLnBrk="0" fontAlgn="base" hangingPunct="0">
-              <a:spcBef>
-                <a:spcPct val="0"/>
-              </a:spcBef>
-              <a:spcAft>
-                <a:spcPct val="0"/>
-              </a:spcAft>
-              <a:defRPr>
-                <a:solidFill>
-                  <a:schemeClr val="tx1"/>
-                </a:solidFill>
-                <a:latin typeface="Arial" charset="0"/>
-                <a:ea typeface="Arial" charset="0"/>
-                <a:cs typeface="Arial" charset="0"/>
-              </a:defRPr>
-            </a:lvl8pPr>
-            <a:lvl9pPr marL="3886200" indent="-228600" eaLnBrk="0" fontAlgn="base" hangingPunct="0">
-              <a:spcBef>
-                <a:spcPct val="0"/>
-              </a:spcBef>
-              <a:spcAft>
-                <a:spcPct val="0"/>
-              </a:spcAft>
-              <a:defRPr>
-                <a:solidFill>
-                  <a:schemeClr val="tx1"/>
-                </a:solidFill>
-                <a:latin typeface="Arial" charset="0"/>
-                <a:ea typeface="Arial" charset="0"/>
-                <a:cs typeface="Arial" charset="0"/>
-              </a:defRPr>
-            </a:lvl9pPr>
-          </a:lstStyle>
-          <a:p>
-            <a:pPr eaLnBrk="1" hangingPunct="1"/>
-            <a:fld id="{FC7C85E8-0885-5B47-BA49-51A242E24168}" type="datetime1">
-              <a:rPr lang="en-US">
-                <a:latin typeface="Garamond" charset="0"/>
-              </a:rPr>
-              <a:pPr eaLnBrk="1" hangingPunct="1"/>
-              <a:t>9/13/15</a:t>
-            </a:fld>
-            <a:endParaRPr lang="en-US">
-              <a:latin typeface="Garamond" charset="0"/>
-            </a:endParaRPr>
-          </a:p>
-        </p:txBody>
-      </p:sp>
-      <p:sp>
-        <p:nvSpPr>
-          <p:cNvPr id="5" name="Footer Placeholder 4"/>
-          <p:cNvSpPr>
-            <a:spLocks noGrp="1"/>
-          </p:cNvSpPr>
-          <p:nvPr>
-            <p:ph type="ftr" sz="quarter" idx="11"/>
-          </p:nvPr>
-        </p:nvSpPr>
-        <p:spPr/>
-        <p:txBody>
-          <a:bodyPr/>
-          <a:lstStyle/>
-          <a:p>
-            <a:pPr>
-              <a:defRPr/>
-            </a:pPr>
-            <a:r>
-              <a:rPr lang="en-US" altLang="en-US"/>
               <a:t>Microprocessors I:  Lecture 4</a:t>
             </a:r>
           </a:p>
@@ -13293,7 +10486,7 @@
                 <a:latin typeface="Garamond" charset="0"/>
               </a:rPr>
               <a:pPr eaLnBrk="1" hangingPunct="1"/>
-              <a:t>19</a:t>
+              <a:t>15</a:t>
             </a:fld>
             <a:endParaRPr lang="en-US">
               <a:latin typeface="Garamond" charset="0"/>
@@ -13399,19 +10592,7 @@
               <a:rPr lang="en-US" dirty="0" smtClean="0">
                 <a:latin typeface="Arial" charset="0"/>
               </a:rPr>
-              <a:t>due </a:t>
-            </a:r>
-            <a:r>
-              <a:rPr lang="en-US" dirty="0" smtClean="0">
-                <a:latin typeface="Arial" charset="0"/>
-              </a:rPr>
-              <a:t>2:00 PM, 9/</a:t>
-            </a:r>
-            <a:r>
-              <a:rPr lang="en-US" dirty="0" smtClean="0">
-                <a:latin typeface="Arial" charset="0"/>
-              </a:rPr>
-              <a:t>18</a:t>
+              <a:t>due 2:00 PM, 9/18</a:t>
             </a:r>
             <a:endParaRPr lang="en-US" dirty="0">
               <a:latin typeface="Arial" charset="0"/>
@@ -13598,7 +10779,7 @@
                 <a:latin typeface="Garamond" charset="0"/>
               </a:rPr>
               <a:pPr eaLnBrk="1" hangingPunct="1"/>
-              <a:t>9/13/15</a:t>
+              <a:t>9/14/15</a:t>
             </a:fld>
             <a:endParaRPr lang="en-US">
               <a:latin typeface="Garamond" charset="0"/>
@@ -14125,7 +11306,7 @@
                 <a:latin typeface="Garamond" charset="0"/>
               </a:rPr>
               <a:pPr eaLnBrk="1" hangingPunct="1"/>
-              <a:t>9/13/15</a:t>
+              <a:t>9/14/15</a:t>
             </a:fld>
             <a:endParaRPr lang="en-US">
               <a:latin typeface="Garamond" charset="0"/>
@@ -14719,7 +11900,7 @@
                 <a:latin typeface="Garamond" charset="0"/>
               </a:rPr>
               <a:pPr eaLnBrk="1" hangingPunct="1"/>
-              <a:t>9/13/15</a:t>
+              <a:t>9/14/15</a:t>
             </a:fld>
             <a:endParaRPr lang="en-US">
               <a:latin typeface="Garamond" charset="0"/>
@@ -15359,7 +12540,7 @@
                 <a:latin typeface="Garamond" charset="0"/>
               </a:rPr>
               <a:pPr eaLnBrk="1" hangingPunct="1"/>
-              <a:t>9/13/15</a:t>
+              <a:t>9/14/15</a:t>
             </a:fld>
             <a:endParaRPr lang="en-US">
               <a:latin typeface="Garamond" charset="0"/>
@@ -15917,7 +13098,7 @@
                 <a:latin typeface="Garamond" charset="0"/>
               </a:rPr>
               <a:pPr eaLnBrk="1" hangingPunct="1"/>
-              <a:t>9/13/15</a:t>
+              <a:t>9/14/15</a:t>
             </a:fld>
             <a:endParaRPr lang="en-US">
               <a:latin typeface="Garamond" charset="0"/>
@@ -16471,7 +13652,7 @@
                 <a:latin typeface="Garamond" charset="0"/>
               </a:rPr>
               <a:pPr eaLnBrk="1" hangingPunct="1"/>
-              <a:t>9/13/15</a:t>
+              <a:t>9/14/15</a:t>
             </a:fld>
             <a:endParaRPr lang="en-US">
               <a:latin typeface="Garamond" charset="0"/>
@@ -16973,7 +14154,7 @@
                 <a:latin typeface="Garamond" charset="0"/>
               </a:rPr>
               <a:pPr eaLnBrk="1" hangingPunct="1"/>
-              <a:t>9/13/15</a:t>
+              <a:t>9/14/15</a:t>
             </a:fld>
             <a:endParaRPr lang="en-US">
               <a:latin typeface="Garamond" charset="0"/>
@@ -17470,7 +14651,7 @@
                 <a:latin typeface="Garamond" charset="0"/>
               </a:rPr>
               <a:pPr eaLnBrk="1" hangingPunct="1"/>
-              <a:t>9/13/15</a:t>
+              <a:t>9/14/15</a:t>
             </a:fld>
             <a:endParaRPr lang="en-US">
               <a:latin typeface="Garamond" charset="0"/>
